--- a/Network Data Transfer Protocols in IoT & Embedded.pptx
+++ b/Network Data Transfer Protocols in IoT & Embedded.pptx
@@ -5,7 +5,7 @@
     <p:sldMasterId id="2147483690" r:id="rId1"/>
   </p:sldMasterIdLst>
   <p:notesMasterIdLst>
-    <p:notesMasterId r:id="rId20"/>
+    <p:notesMasterId r:id="rId22"/>
   </p:notesMasterIdLst>
   <p:sldIdLst>
     <p:sldId id="256" r:id="rId2"/>
@@ -21,11 +21,13 @@
     <p:sldId id="261" r:id="rId12"/>
     <p:sldId id="262" r:id="rId13"/>
     <p:sldId id="263" r:id="rId14"/>
-    <p:sldId id="271" r:id="rId15"/>
-    <p:sldId id="270" r:id="rId16"/>
+    <p:sldId id="270" r:id="rId15"/>
+    <p:sldId id="271" r:id="rId16"/>
     <p:sldId id="272" r:id="rId17"/>
     <p:sldId id="273" r:id="rId18"/>
-    <p:sldId id="269" r:id="rId19"/>
+    <p:sldId id="274" r:id="rId19"/>
+    <p:sldId id="275" r:id="rId20"/>
+    <p:sldId id="269" r:id="rId21"/>
   </p:sldIdLst>
   <p:sldSz cx="12192000" cy="6858000"/>
   <p:notesSz cx="6858000" cy="9144000"/>
@@ -11700,6 +11702,14 @@
   <p:clrMapOvr>
     <a:masterClrMapping/>
   </p:clrMapOvr>
+  <mc:AlternateContent xmlns:mc="http://schemas.openxmlformats.org/markup-compatibility/2006" xmlns:p14="http://schemas.microsoft.com/office/powerpoint/2010/main">
+    <mc:Choice Requires="p14">
+      <p:transition spd="slow" p14:dur="2000" advTm="2024"/>
+    </mc:Choice>
+    <mc:Fallback xmlns="">
+      <p:transition spd="slow" advTm="2024"/>
+    </mc:Fallback>
+  </mc:AlternateContent>
 </p:sld>
 </file>
 
@@ -12409,248 +12419,6 @@
 </file>
 
 <file path=ppt/slides/slide14.xml><?xml version="1.0" encoding="utf-8"?>
-<p:sld xmlns:a="http://schemas.openxmlformats.org/drawingml/2006/main" xmlns:r="http://schemas.openxmlformats.org/officeDocument/2006/relationships" xmlns:p="http://schemas.openxmlformats.org/presentationml/2006/main">
-  <p:cSld>
-    <p:bg>
-      <p:bgPr>
-        <a:solidFill>
-          <a:schemeClr val="bg2"/>
-        </a:solidFill>
-        <a:effectLst/>
-      </p:bgPr>
-    </p:bg>
-    <p:spTree>
-      <p:nvGrpSpPr>
-        <p:cNvPr id="1" name=""/>
-        <p:cNvGrpSpPr/>
-        <p:nvPr/>
-      </p:nvGrpSpPr>
-      <p:grpSpPr>
-        <a:xfrm>
-          <a:off x="0" y="0"/>
-          <a:ext cx="0" cy="0"/>
-          <a:chOff x="0" y="0"/>
-          <a:chExt cx="0" cy="0"/>
-        </a:xfrm>
-      </p:grpSpPr>
-      <p:sp>
-        <p:nvSpPr>
-          <p:cNvPr id="2" name="Title 1">
-            <a:extLst>
-              <a:ext uri="{FF2B5EF4-FFF2-40B4-BE49-F238E27FC236}">
-                <a16:creationId xmlns:a16="http://schemas.microsoft.com/office/drawing/2014/main" id="{8972A041-1B2A-486F-9866-072283CE0A4F}"/>
-              </a:ext>
-            </a:extLst>
-          </p:cNvPr>
-          <p:cNvSpPr>
-            <a:spLocks noGrp="1"/>
-          </p:cNvSpPr>
-          <p:nvPr>
-            <p:ph type="title"/>
-          </p:nvPr>
-        </p:nvSpPr>
-        <p:spPr>
-          <a:xfrm>
-            <a:off x="1251679" y="645107"/>
-            <a:ext cx="3384329" cy="1640894"/>
-          </a:xfrm>
-        </p:spPr>
-        <p:txBody>
-          <a:bodyPr vert="horz" lIns="91440" tIns="45720" rIns="91440" bIns="45720" rtlCol="0" anchor="t">
-            <a:normAutofit/>
-          </a:bodyPr>
-          <a:lstStyle/>
-          <a:p>
-            <a:r>
-              <a:rPr lang="en-US" sz="3700" dirty="0">
-                <a:solidFill>
-                  <a:schemeClr val="accent3"/>
-                </a:solidFill>
-              </a:rPr>
-              <a:t>PERSONAL AREA NETWORK</a:t>
-            </a:r>
-          </a:p>
-        </p:txBody>
-      </p:sp>
-      <p:sp>
-        <p:nvSpPr>
-          <p:cNvPr id="5" name="TextBox 4">
-            <a:extLst>
-              <a:ext uri="{FF2B5EF4-FFF2-40B4-BE49-F238E27FC236}">
-                <a16:creationId xmlns:a16="http://schemas.microsoft.com/office/drawing/2014/main" id="{4808C759-6239-486F-BBBE-176F0B541224}"/>
-              </a:ext>
-            </a:extLst>
-          </p:cNvPr>
-          <p:cNvSpPr txBox="1"/>
-          <p:nvPr/>
-        </p:nvSpPr>
-        <p:spPr>
-          <a:xfrm>
-            <a:off x="1251679" y="1883309"/>
-            <a:ext cx="3384330" cy="4343536"/>
-          </a:xfrm>
-          <a:prstGeom prst="rect">
-            <a:avLst/>
-          </a:prstGeom>
-        </p:spPr>
-        <p:txBody>
-          <a:bodyPr vert="horz" lIns="91440" tIns="45720" rIns="91440" bIns="45720" rtlCol="0">
-            <a:normAutofit/>
-          </a:bodyPr>
-          <a:lstStyle/>
-          <a:p>
-            <a:pPr indent="-228600" defTabSz="914400">
-              <a:spcBef>
-                <a:spcPts val="700"/>
-              </a:spcBef>
-              <a:buClr>
-                <a:schemeClr val="tx2"/>
-              </a:buClr>
-            </a:pPr>
-            <a:r>
-              <a:rPr lang="en-US" sz="1300" dirty="0">
-                <a:solidFill>
-                  <a:schemeClr val="tx1">
-                    <a:lumMod val="65000"/>
-                    <a:lumOff val="35000"/>
-                  </a:schemeClr>
-                </a:solidFill>
-              </a:rPr>
-              <a:t>• Used to interconnect portable computers and/or devices like peripherals and sensors</a:t>
-            </a:r>
-          </a:p>
-          <a:p>
-            <a:pPr indent="-228600" defTabSz="914400">
-              <a:spcBef>
-                <a:spcPts val="700"/>
-              </a:spcBef>
-              <a:buClr>
-                <a:schemeClr val="tx2"/>
-              </a:buClr>
-            </a:pPr>
-            <a:r>
-              <a:rPr lang="en-US" sz="1300" dirty="0">
-                <a:solidFill>
-                  <a:schemeClr val="tx1">
-                    <a:lumMod val="65000"/>
-                    <a:lumOff val="35000"/>
-                  </a:schemeClr>
-                </a:solidFill>
-              </a:rPr>
-              <a:t>• These devices may be carried or worn by a person and/or may be located nearby Home/Office computers, printers, phones, LANs, GPS or other car resources can be connected as needed. Two or more devices communicate on the same physical channel.</a:t>
-            </a:r>
-          </a:p>
-          <a:p>
-            <a:pPr indent="-228600" defTabSz="914400">
-              <a:spcBef>
-                <a:spcPts val="700"/>
-              </a:spcBef>
-              <a:buClr>
-                <a:schemeClr val="tx2"/>
-              </a:buClr>
-            </a:pPr>
-            <a:r>
-              <a:rPr lang="en-US" sz="1300" dirty="0">
-                <a:solidFill>
-                  <a:schemeClr val="tx1">
-                    <a:lumMod val="65000"/>
-                    <a:lumOff val="35000"/>
-                  </a:schemeClr>
-                </a:solidFill>
-              </a:rPr>
-              <a:t>• May include at one FFD that operates as the PAN coordinator.</a:t>
-            </a:r>
-          </a:p>
-          <a:p>
-            <a:pPr indent="-228600" defTabSz="914400">
-              <a:spcBef>
-                <a:spcPts val="700"/>
-              </a:spcBef>
-              <a:buClr>
-                <a:schemeClr val="tx2"/>
-              </a:buClr>
-            </a:pPr>
-            <a:r>
-              <a:rPr lang="en-US" sz="1300" dirty="0">
-                <a:solidFill>
-                  <a:schemeClr val="tx1">
-                    <a:lumMod val="65000"/>
-                    <a:lumOff val="35000"/>
-                  </a:schemeClr>
-                </a:solidFill>
-              </a:rPr>
-              <a:t>• The PAN coordinator initiates, terminates, or routes communication around the network. The PAN coordinator is the primary controller of the PAN.</a:t>
-            </a:r>
-          </a:p>
-          <a:p>
-            <a:pPr indent="-228600" defTabSz="914400">
-              <a:spcBef>
-                <a:spcPts val="700"/>
-              </a:spcBef>
-              <a:buClr>
-                <a:schemeClr val="tx2"/>
-              </a:buClr>
-            </a:pPr>
-            <a:r>
-              <a:rPr lang="en-US" sz="1300" dirty="0">
-                <a:solidFill>
-                  <a:schemeClr val="tx1">
-                    <a:lumMod val="65000"/>
-                    <a:lumOff val="35000"/>
-                  </a:schemeClr>
-                </a:solidFill>
-              </a:rPr>
-              <a:t>• The WPAN may operate in either of two topologies: the star topology or the peer-to-peer topology.</a:t>
-            </a:r>
-          </a:p>
-        </p:txBody>
-      </p:sp>
-      <p:pic>
-        <p:nvPicPr>
-          <p:cNvPr id="4" name="Content Placeholder 3">
-            <a:extLst>
-              <a:ext uri="{FF2B5EF4-FFF2-40B4-BE49-F238E27FC236}">
-                <a16:creationId xmlns:a16="http://schemas.microsoft.com/office/drawing/2014/main" id="{8627E8A5-BD89-458F-8311-356256AF5087}"/>
-              </a:ext>
-            </a:extLst>
-          </p:cNvPr>
-          <p:cNvPicPr>
-            <a:picLocks noGrp="1" noChangeAspect="1"/>
-          </p:cNvPicPr>
-          <p:nvPr>
-            <p:ph idx="1"/>
-          </p:nvPr>
-        </p:nvPicPr>
-        <p:blipFill>
-          <a:blip r:embed="rId2"/>
-          <a:stretch>
-            <a:fillRect/>
-          </a:stretch>
-        </p:blipFill>
-        <p:spPr>
-          <a:xfrm>
-            <a:off x="5279472" y="1883309"/>
-            <a:ext cx="5995465" cy="3117642"/>
-          </a:xfrm>
-          <a:prstGeom prst="rect">
-            <a:avLst/>
-          </a:prstGeom>
-        </p:spPr>
-      </p:pic>
-    </p:spTree>
-    <p:extLst>
-      <p:ext uri="{BB962C8B-B14F-4D97-AF65-F5344CB8AC3E}">
-        <p14:creationId xmlns:p14="http://schemas.microsoft.com/office/powerpoint/2010/main" val="3478250796"/>
-      </p:ext>
-    </p:extLst>
-  </p:cSld>
-  <p:clrMapOvr>
-    <a:masterClrMapping/>
-  </p:clrMapOvr>
-</p:sld>
-</file>
-
-<file path=ppt/slides/slide15.xml><?xml version="1.0" encoding="utf-8"?>
 <p:sld xmlns:a="http://schemas.openxmlformats.org/drawingml/2006/main" xmlns:r="http://schemas.openxmlformats.org/officeDocument/2006/relationships" xmlns:p="http://schemas.openxmlformats.org/presentationml/2006/main">
   <p:cSld>
     <p:spTree>
@@ -13397,6 +13165,313 @@
 </p:sld>
 </file>
 
+<file path=ppt/slides/slide15.xml><?xml version="1.0" encoding="utf-8"?>
+<p:sld xmlns:a="http://schemas.openxmlformats.org/drawingml/2006/main" xmlns:r="http://schemas.openxmlformats.org/officeDocument/2006/relationships" xmlns:p="http://schemas.openxmlformats.org/presentationml/2006/main">
+  <p:cSld>
+    <p:bg>
+      <p:bgPr>
+        <a:solidFill>
+          <a:schemeClr val="bg2"/>
+        </a:solidFill>
+        <a:effectLst/>
+      </p:bgPr>
+    </p:bg>
+    <p:spTree>
+      <p:nvGrpSpPr>
+        <p:cNvPr id="1" name=""/>
+        <p:cNvGrpSpPr/>
+        <p:nvPr/>
+      </p:nvGrpSpPr>
+      <p:grpSpPr>
+        <a:xfrm>
+          <a:off x="0" y="0"/>
+          <a:ext cx="0" cy="0"/>
+          <a:chOff x="0" y="0"/>
+          <a:chExt cx="0" cy="0"/>
+        </a:xfrm>
+      </p:grpSpPr>
+      <p:sp>
+        <p:nvSpPr>
+          <p:cNvPr id="2" name="Title 1">
+            <a:extLst>
+              <a:ext uri="{FF2B5EF4-FFF2-40B4-BE49-F238E27FC236}">
+                <a16:creationId xmlns:a16="http://schemas.microsoft.com/office/drawing/2014/main" id="{8972A041-1B2A-486F-9866-072283CE0A4F}"/>
+              </a:ext>
+            </a:extLst>
+          </p:cNvPr>
+          <p:cNvSpPr>
+            <a:spLocks noGrp="1"/>
+          </p:cNvSpPr>
+          <p:nvPr>
+            <p:ph type="title"/>
+          </p:nvPr>
+        </p:nvSpPr>
+        <p:spPr>
+          <a:xfrm>
+            <a:off x="1251679" y="645107"/>
+            <a:ext cx="3384329" cy="1640894"/>
+          </a:xfrm>
+        </p:spPr>
+        <p:txBody>
+          <a:bodyPr vert="horz" lIns="91440" tIns="45720" rIns="91440" bIns="45720" rtlCol="0" anchor="t">
+            <a:normAutofit/>
+          </a:bodyPr>
+          <a:lstStyle/>
+          <a:p>
+            <a:r>
+              <a:rPr lang="en-US" sz="3700" dirty="0">
+                <a:solidFill>
+                  <a:schemeClr val="accent3"/>
+                </a:solidFill>
+              </a:rPr>
+              <a:t>PERSONAL AREA NETWORK</a:t>
+            </a:r>
+          </a:p>
+        </p:txBody>
+      </p:sp>
+      <p:sp>
+        <p:nvSpPr>
+          <p:cNvPr id="5" name="TextBox 4">
+            <a:extLst>
+              <a:ext uri="{FF2B5EF4-FFF2-40B4-BE49-F238E27FC236}">
+                <a16:creationId xmlns:a16="http://schemas.microsoft.com/office/drawing/2014/main" id="{4808C759-6239-486F-BBBE-176F0B541224}"/>
+              </a:ext>
+            </a:extLst>
+          </p:cNvPr>
+          <p:cNvSpPr txBox="1"/>
+          <p:nvPr/>
+        </p:nvSpPr>
+        <p:spPr>
+          <a:xfrm>
+            <a:off x="1251679" y="1883309"/>
+            <a:ext cx="5634896" cy="3594100"/>
+          </a:xfrm>
+          <a:prstGeom prst="rect">
+            <a:avLst/>
+          </a:prstGeom>
+        </p:spPr>
+        <p:txBody>
+          <a:bodyPr vert="horz" lIns="91440" tIns="45720" rIns="91440" bIns="45720" rtlCol="0">
+            <a:normAutofit fontScale="92500"/>
+          </a:bodyPr>
+          <a:lstStyle/>
+          <a:p>
+            <a:pPr indent="-228600" defTabSz="914400">
+              <a:spcBef>
+                <a:spcPts val="700"/>
+              </a:spcBef>
+              <a:buClr>
+                <a:schemeClr val="tx2"/>
+              </a:buClr>
+            </a:pPr>
+            <a:r>
+              <a:rPr lang="en-US" sz="1300" dirty="0">
+                <a:solidFill>
+                  <a:schemeClr val="tx1">
+                    <a:lumMod val="65000"/>
+                    <a:lumOff val="35000"/>
+                  </a:schemeClr>
+                </a:solidFill>
+              </a:rPr>
+              <a:t>• Used to interconnect portable computers and/or devices like peripherals and sensors</a:t>
+            </a:r>
+          </a:p>
+          <a:p>
+            <a:pPr indent="-228600" defTabSz="914400">
+              <a:spcBef>
+                <a:spcPts val="700"/>
+              </a:spcBef>
+              <a:buClr>
+                <a:schemeClr val="tx2"/>
+              </a:buClr>
+            </a:pPr>
+            <a:r>
+              <a:rPr lang="en-US" sz="1300" dirty="0">
+                <a:solidFill>
+                  <a:schemeClr val="tx1">
+                    <a:lumMod val="65000"/>
+                    <a:lumOff val="35000"/>
+                  </a:schemeClr>
+                </a:solidFill>
+              </a:rPr>
+              <a:t>• These devices may be carried or worn by a person and/or may be located nearby Home/Office computers, printers, phones, LANs, GPS or other car resources can be connected as needed. Two or more devices communicate on the same physical channel.</a:t>
+            </a:r>
+          </a:p>
+          <a:p>
+            <a:pPr indent="-228600" defTabSz="914400">
+              <a:spcBef>
+                <a:spcPts val="700"/>
+              </a:spcBef>
+              <a:buClr>
+                <a:schemeClr val="tx2"/>
+              </a:buClr>
+            </a:pPr>
+            <a:r>
+              <a:rPr lang="en-US" sz="1300" dirty="0">
+                <a:solidFill>
+                  <a:schemeClr val="tx1">
+                    <a:lumMod val="65000"/>
+                    <a:lumOff val="35000"/>
+                  </a:schemeClr>
+                </a:solidFill>
+              </a:rPr>
+              <a:t>• May include at one FFD that operates as the PAN coordinator.</a:t>
+            </a:r>
+          </a:p>
+          <a:p>
+            <a:pPr indent="-228600" defTabSz="914400">
+              <a:spcBef>
+                <a:spcPts val="700"/>
+              </a:spcBef>
+              <a:buClr>
+                <a:schemeClr val="tx2"/>
+              </a:buClr>
+            </a:pPr>
+            <a:r>
+              <a:rPr lang="en-US" sz="1300" dirty="0">
+                <a:solidFill>
+                  <a:schemeClr val="tx1">
+                    <a:lumMod val="65000"/>
+                    <a:lumOff val="35000"/>
+                  </a:schemeClr>
+                </a:solidFill>
+              </a:rPr>
+              <a:t>• The PAN coordinator initiates, terminates, or routes communication around the network. The PAN coordinator is the primary controller of the PAN.</a:t>
+            </a:r>
+          </a:p>
+          <a:p>
+            <a:pPr indent="-228600" defTabSz="914400">
+              <a:spcBef>
+                <a:spcPts val="700"/>
+              </a:spcBef>
+              <a:buClr>
+                <a:schemeClr val="tx2"/>
+              </a:buClr>
+            </a:pPr>
+            <a:r>
+              <a:rPr lang="en-US" sz="1300" dirty="0">
+                <a:solidFill>
+                  <a:schemeClr val="tx1">
+                    <a:lumMod val="65000"/>
+                    <a:lumOff val="35000"/>
+                  </a:schemeClr>
+                </a:solidFill>
+              </a:rPr>
+              <a:t>• The WPAN may operate in either of two topologies: the star topology or the peer-to-peer topology.</a:t>
+            </a:r>
+          </a:p>
+          <a:p>
+            <a:pPr indent="-228600" defTabSz="914400">
+              <a:spcBef>
+                <a:spcPts val="700"/>
+              </a:spcBef>
+              <a:buClr>
+                <a:schemeClr val="tx2"/>
+              </a:buClr>
+            </a:pPr>
+            <a:r>
+              <a:rPr lang="en-US" sz="1400" dirty="0"/>
+              <a:t>Devices are conceived to interact with each other over a conceptually simple </a:t>
+            </a:r>
+            <a:r>
+              <a:rPr lang="en-US" sz="1400" dirty="0">
+                <a:hlinkClick r:id="rId2" tooltip="Wireless network"/>
+              </a:rPr>
+              <a:t>wireless network</a:t>
+            </a:r>
+            <a:r>
+              <a:rPr lang="en-US" sz="1400" dirty="0"/>
+              <a:t>. The definition of the network layers is based on the </a:t>
+            </a:r>
+            <a:r>
+              <a:rPr lang="en-US" sz="1400" dirty="0">
+                <a:hlinkClick r:id="rId3" tooltip="OSI model"/>
+              </a:rPr>
+              <a:t>OSI model</a:t>
+            </a:r>
+            <a:r>
+              <a:rPr lang="en-US" sz="1400" dirty="0"/>
+              <a:t>; although only the lower layers are defined in the standard, interaction with upper layers is intended, possibly using an </a:t>
+            </a:r>
+            <a:r>
+              <a:rPr lang="en-US" sz="1400" dirty="0">
+                <a:hlinkClick r:id="rId4" tooltip="IEEE 802.2"/>
+              </a:rPr>
+              <a:t>IEEE 802.2</a:t>
+            </a:r>
+            <a:r>
+              <a:rPr lang="en-US" sz="1400" dirty="0"/>
+              <a:t> </a:t>
+            </a:r>
+            <a:r>
+              <a:rPr lang="en-US" sz="1400" dirty="0">
+                <a:hlinkClick r:id="rId5" tooltip="Logical link control"/>
+              </a:rPr>
+              <a:t>logical link control</a:t>
+            </a:r>
+            <a:r>
+              <a:rPr lang="en-US" sz="1400" dirty="0"/>
+              <a:t> sublayer accessing the MAC through a convergence sublayer. Implementations may rely on external devices or be purely embedded, self-functioning devices. </a:t>
+            </a:r>
+            <a:endParaRPr lang="en-US" sz="1300" dirty="0">
+              <a:solidFill>
+                <a:schemeClr val="tx1">
+                  <a:lumMod val="65000"/>
+                  <a:lumOff val="35000"/>
+                </a:schemeClr>
+              </a:solidFill>
+            </a:endParaRPr>
+          </a:p>
+        </p:txBody>
+      </p:sp>
+      <p:pic>
+        <p:nvPicPr>
+          <p:cNvPr id="10" name="Content Placeholder 9">
+            <a:extLst>
+              <a:ext uri="{FF2B5EF4-FFF2-40B4-BE49-F238E27FC236}">
+                <a16:creationId xmlns:a16="http://schemas.microsoft.com/office/drawing/2014/main" id="{C01F7925-C383-4D9C-801D-1B6EDD39971D}"/>
+              </a:ext>
+            </a:extLst>
+          </p:cNvPr>
+          <p:cNvPicPr>
+            <a:picLocks noGrp="1" noChangeAspect="1"/>
+          </p:cNvPicPr>
+          <p:nvPr>
+            <p:ph idx="1"/>
+          </p:nvPr>
+        </p:nvPicPr>
+        <p:blipFill>
+          <a:blip r:embed="rId6">
+            <a:extLst>
+              <a:ext uri="{28A0092B-C50C-407E-A947-70E740481C1C}">
+                <a14:useLocalDpi xmlns:a14="http://schemas.microsoft.com/office/drawing/2010/main" val="0"/>
+              </a:ext>
+            </a:extLst>
+          </a:blip>
+          <a:stretch>
+            <a:fillRect/>
+          </a:stretch>
+        </p:blipFill>
+        <p:spPr>
+          <a:xfrm>
+            <a:off x="7447491" y="1332422"/>
+            <a:ext cx="3896783" cy="4135462"/>
+          </a:xfrm>
+        </p:spPr>
+      </p:pic>
+    </p:spTree>
+    <p:extLst>
+      <p:ext uri="{BB962C8B-B14F-4D97-AF65-F5344CB8AC3E}">
+        <p14:creationId xmlns:p14="http://schemas.microsoft.com/office/powerpoint/2010/main" val="3478250796"/>
+      </p:ext>
+    </p:extLst>
+  </p:cSld>
+  <p:clrMapOvr>
+    <a:masterClrMapping/>
+  </p:clrMapOvr>
+</p:sld>
+</file>
+
 <file path=ppt/slides/slide16.xml><?xml version="1.0" encoding="utf-8"?>
 <p:sld xmlns:a="http://schemas.openxmlformats.org/drawingml/2006/main" xmlns:r="http://schemas.openxmlformats.org/officeDocument/2006/relationships" xmlns:p="http://schemas.openxmlformats.org/presentationml/2006/main">
   <p:cSld>
@@ -13789,6 +13864,36 @@
           </a:p>
         </p:txBody>
       </p:sp>
+      <p:pic>
+        <p:nvPicPr>
+          <p:cNvPr id="4" name="Picture 3">
+            <a:extLst>
+              <a:ext uri="{FF2B5EF4-FFF2-40B4-BE49-F238E27FC236}">
+                <a16:creationId xmlns:a16="http://schemas.microsoft.com/office/drawing/2014/main" id="{53A5B416-EB9E-419F-9165-8203C6063F16}"/>
+              </a:ext>
+            </a:extLst>
+          </p:cNvPr>
+          <p:cNvPicPr>
+            <a:picLocks noChangeAspect="1"/>
+          </p:cNvPicPr>
+          <p:nvPr/>
+        </p:nvPicPr>
+        <p:blipFill>
+          <a:blip r:embed="rId2"/>
+          <a:stretch>
+            <a:fillRect/>
+          </a:stretch>
+        </p:blipFill>
+        <p:spPr>
+          <a:xfrm>
+            <a:off x="5298285" y="1744332"/>
+            <a:ext cx="6376981" cy="3026435"/>
+          </a:xfrm>
+          <a:prstGeom prst="rect">
+            <a:avLst/>
+          </a:prstGeom>
+        </p:spPr>
+      </p:pic>
     </p:spTree>
     <p:extLst>
       <p:ext uri="{BB962C8B-B14F-4D97-AF65-F5344CB8AC3E}">
@@ -13803,6 +13908,2046 @@
 </file>
 
 <file path=ppt/slides/slide18.xml><?xml version="1.0" encoding="utf-8"?>
+<p:sld xmlns:a="http://schemas.openxmlformats.org/drawingml/2006/main" xmlns:r="http://schemas.openxmlformats.org/officeDocument/2006/relationships" xmlns:p="http://schemas.openxmlformats.org/presentationml/2006/main">
+  <p:cSld>
+    <p:spTree>
+      <p:nvGrpSpPr>
+        <p:cNvPr id="1" name=""/>
+        <p:cNvGrpSpPr/>
+        <p:nvPr/>
+      </p:nvGrpSpPr>
+      <p:grpSpPr>
+        <a:xfrm>
+          <a:off x="0" y="0"/>
+          <a:ext cx="0" cy="0"/>
+          <a:chOff x="0" y="0"/>
+          <a:chExt cx="0" cy="0"/>
+        </a:xfrm>
+      </p:grpSpPr>
+      <p:sp>
+        <p:nvSpPr>
+          <p:cNvPr id="2" name="Title 1">
+            <a:extLst>
+              <a:ext uri="{FF2B5EF4-FFF2-40B4-BE49-F238E27FC236}">
+                <a16:creationId xmlns:a16="http://schemas.microsoft.com/office/drawing/2014/main" id="{E61A97EE-243F-4640-9F45-2E5A657CA7F3}"/>
+              </a:ext>
+            </a:extLst>
+          </p:cNvPr>
+          <p:cNvSpPr>
+            <a:spLocks noGrp="1"/>
+          </p:cNvSpPr>
+          <p:nvPr>
+            <p:ph type="title"/>
+          </p:nvPr>
+        </p:nvSpPr>
+        <p:spPr>
+          <a:xfrm>
+            <a:off x="1251678" y="373507"/>
+            <a:ext cx="10178322" cy="496505"/>
+          </a:xfrm>
+        </p:spPr>
+        <p:txBody>
+          <a:bodyPr>
+            <a:normAutofit fontScale="90000"/>
+          </a:bodyPr>
+          <a:lstStyle/>
+          <a:p>
+            <a:r>
+              <a:rPr lang="it-IT" sz="3200">
+                <a:solidFill>
+                  <a:schemeClr val="accent3"/>
+                </a:solidFill>
+              </a:rPr>
+              <a:t>ZigBee technology</a:t>
+            </a:r>
+            <a:endParaRPr lang="en-US" sz="3200" dirty="0">
+              <a:solidFill>
+                <a:schemeClr val="accent3"/>
+              </a:solidFill>
+            </a:endParaRPr>
+          </a:p>
+        </p:txBody>
+      </p:sp>
+      <p:sp>
+        <p:nvSpPr>
+          <p:cNvPr id="3" name="Content Placeholder 2">
+            <a:extLst>
+              <a:ext uri="{FF2B5EF4-FFF2-40B4-BE49-F238E27FC236}">
+                <a16:creationId xmlns:a16="http://schemas.microsoft.com/office/drawing/2014/main" id="{CAD4780A-BCF5-4F9F-9BAD-DE455044F5B9}"/>
+              </a:ext>
+            </a:extLst>
+          </p:cNvPr>
+          <p:cNvSpPr>
+            <a:spLocks noGrp="1"/>
+          </p:cNvSpPr>
+          <p:nvPr>
+            <p:ph idx="1"/>
+          </p:nvPr>
+        </p:nvSpPr>
+        <p:spPr>
+          <a:xfrm>
+            <a:off x="1136268" y="1149659"/>
+            <a:ext cx="10178322" cy="5334834"/>
+          </a:xfrm>
+        </p:spPr>
+        <p:txBody>
+          <a:bodyPr>
+            <a:normAutofit lnSpcReduction="10000"/>
+          </a:bodyPr>
+          <a:lstStyle/>
+          <a:p>
+            <a:r>
+              <a:rPr lang="en-US"/>
+              <a:t>low-power, wirelessly networked, monitoring and control</a:t>
+            </a:r>
+          </a:p>
+          <a:p>
+            <a:r>
+              <a:rPr lang="en-US"/>
+              <a:t>Products based on an open global standard</a:t>
+            </a:r>
+          </a:p>
+          <a:p>
+            <a:r>
+              <a:rPr lang="en-US"/>
+              <a:t>45+ companies: Texas Instruments, Motorola, Philips, IBM, Ember, Samsung, NEC, Freescale Semiconductor, LG, OKI, etc.</a:t>
+            </a:r>
+          </a:p>
+          <a:p>
+            <a:r>
+              <a:rPr lang="en-US"/>
+              <a:t>Defining upper layers of protocol stack: from network to</a:t>
+            </a:r>
+          </a:p>
+          <a:p>
+            <a:r>
+              <a:rPr lang="en-US"/>
+              <a:t>Application, including application profiles</a:t>
+            </a:r>
+          </a:p>
+          <a:p>
+            <a:r>
+              <a:rPr lang="en-US"/>
+              <a:t>First profiles published mid 2003</a:t>
+            </a:r>
+          </a:p>
+          <a:p>
+            <a:r>
+              <a:rPr lang="en-US"/>
+              <a:t>Low power consumption</a:t>
+            </a:r>
+          </a:p>
+          <a:p>
+            <a:r>
+              <a:rPr lang="en-US"/>
+              <a:t>Low cost</a:t>
+            </a:r>
+          </a:p>
+          <a:p>
+            <a:r>
+              <a:rPr lang="en-US"/>
+              <a:t>Low offered message throughput</a:t>
+            </a:r>
+          </a:p>
+          <a:p>
+            <a:r>
+              <a:rPr lang="en-US"/>
+              <a:t>Supports large network orders (&lt;= 65k nodes)</a:t>
+            </a:r>
+          </a:p>
+          <a:p>
+            <a:r>
+              <a:rPr lang="en-US"/>
+              <a:t>Low to no QoS guarantees</a:t>
+            </a:r>
+          </a:p>
+          <a:p>
+            <a:r>
+              <a:rPr lang="en-US"/>
+              <a:t>Flexible protocol design suitable for many applications</a:t>
+            </a:r>
+            <a:endParaRPr lang="en-US" dirty="0"/>
+          </a:p>
+        </p:txBody>
+      </p:sp>
+      <p:pic>
+        <p:nvPicPr>
+          <p:cNvPr id="4" name="Picture 3">
+            <a:extLst>
+              <a:ext uri="{FF2B5EF4-FFF2-40B4-BE49-F238E27FC236}">
+                <a16:creationId xmlns:a16="http://schemas.microsoft.com/office/drawing/2014/main" id="{4574F1BB-F187-47BC-B953-D5BCDA174AB5}"/>
+              </a:ext>
+            </a:extLst>
+          </p:cNvPr>
+          <p:cNvPicPr>
+            <a:picLocks noChangeAspect="1"/>
+          </p:cNvPicPr>
+          <p:nvPr/>
+        </p:nvPicPr>
+        <p:blipFill>
+          <a:blip r:embed="rId2"/>
+          <a:stretch>
+            <a:fillRect/>
+          </a:stretch>
+        </p:blipFill>
+        <p:spPr>
+          <a:xfrm>
+            <a:off x="8286750" y="2876550"/>
+            <a:ext cx="2667000" cy="2590800"/>
+          </a:xfrm>
+          <a:prstGeom prst="rect">
+            <a:avLst/>
+          </a:prstGeom>
+        </p:spPr>
+      </p:pic>
+    </p:spTree>
+    <p:extLst>
+      <p:ext uri="{BB962C8B-B14F-4D97-AF65-F5344CB8AC3E}">
+        <p14:creationId xmlns:p14="http://schemas.microsoft.com/office/powerpoint/2010/main" val="519994613"/>
+      </p:ext>
+    </p:extLst>
+  </p:cSld>
+  <p:clrMapOvr>
+    <a:masterClrMapping/>
+  </p:clrMapOvr>
+</p:sld>
+</file>
+
+<file path=ppt/slides/slide19.xml><?xml version="1.0" encoding="utf-8"?>
+<p:sld xmlns:a="http://schemas.openxmlformats.org/drawingml/2006/main" xmlns:r="http://schemas.openxmlformats.org/officeDocument/2006/relationships" xmlns:p="http://schemas.openxmlformats.org/presentationml/2006/main">
+  <p:cSld>
+    <p:bg>
+      <p:bgPr>
+        <a:solidFill>
+          <a:schemeClr val="bg1"/>
+        </a:solidFill>
+        <a:effectLst/>
+      </p:bgPr>
+    </p:bg>
+    <p:spTree>
+      <p:nvGrpSpPr>
+        <p:cNvPr id="1" name=""/>
+        <p:cNvGrpSpPr/>
+        <p:nvPr/>
+      </p:nvGrpSpPr>
+      <p:grpSpPr>
+        <a:xfrm>
+          <a:off x="0" y="0"/>
+          <a:ext cx="0" cy="0"/>
+          <a:chOff x="0" y="0"/>
+          <a:chExt cx="0" cy="0"/>
+        </a:xfrm>
+      </p:grpSpPr>
+      <p:sp>
+        <p:nvSpPr>
+          <p:cNvPr id="2" name="Title 1">
+            <a:extLst>
+              <a:ext uri="{FF2B5EF4-FFF2-40B4-BE49-F238E27FC236}">
+                <a16:creationId xmlns:a16="http://schemas.microsoft.com/office/drawing/2014/main" id="{666B2694-E16E-437D-B8CE-959456FE5E31}"/>
+              </a:ext>
+            </a:extLst>
+          </p:cNvPr>
+          <p:cNvSpPr>
+            <a:spLocks noGrp="1"/>
+          </p:cNvSpPr>
+          <p:nvPr>
+            <p:ph type="title"/>
+          </p:nvPr>
+        </p:nvSpPr>
+        <p:spPr>
+          <a:xfrm>
+            <a:off x="1251677" y="645106"/>
+            <a:ext cx="5495352" cy="615524"/>
+          </a:xfrm>
+        </p:spPr>
+        <p:txBody>
+          <a:bodyPr vert="horz" lIns="91440" tIns="45720" rIns="91440" bIns="45720" rtlCol="0" anchor="t">
+            <a:normAutofit/>
+          </a:bodyPr>
+          <a:lstStyle/>
+          <a:p>
+            <a:r>
+              <a:rPr lang="en-US" sz="3200" dirty="0">
+                <a:solidFill>
+                  <a:schemeClr val="accent3"/>
+                </a:solidFill>
+              </a:rPr>
+              <a:t>Zigbee protocol stack</a:t>
+            </a:r>
+          </a:p>
+        </p:txBody>
+      </p:sp>
+      <p:sp>
+        <p:nvSpPr>
+          <p:cNvPr id="9" name="TextBox 8">
+            <a:extLst>
+              <a:ext uri="{FF2B5EF4-FFF2-40B4-BE49-F238E27FC236}">
+                <a16:creationId xmlns:a16="http://schemas.microsoft.com/office/drawing/2014/main" id="{27373747-9E11-46CE-B754-74AC1ABB7668}"/>
+              </a:ext>
+            </a:extLst>
+          </p:cNvPr>
+          <p:cNvSpPr txBox="1"/>
+          <p:nvPr/>
+        </p:nvSpPr>
+        <p:spPr>
+          <a:xfrm>
+            <a:off x="1251678" y="1669003"/>
+            <a:ext cx="4363595" cy="4210590"/>
+          </a:xfrm>
+          <a:prstGeom prst="rect">
+            <a:avLst/>
+          </a:prstGeom>
+        </p:spPr>
+        <p:txBody>
+          <a:bodyPr vert="horz" lIns="91440" tIns="45720" rIns="91440" bIns="45720" rtlCol="0">
+            <a:normAutofit/>
+          </a:bodyPr>
+          <a:lstStyle/>
+          <a:p>
+            <a:pPr indent="-228600" defTabSz="914400">
+              <a:spcBef>
+                <a:spcPts val="700"/>
+              </a:spcBef>
+              <a:buClr>
+                <a:schemeClr val="tx2"/>
+              </a:buClr>
+            </a:pPr>
+            <a:endParaRPr lang="en-US" sz="1300" dirty="0"/>
+          </a:p>
+          <a:p>
+            <a:pPr marL="285750" indent="-228600" defTabSz="914400">
+              <a:spcBef>
+                <a:spcPts val="700"/>
+              </a:spcBef>
+              <a:buClr>
+                <a:schemeClr val="tx2"/>
+              </a:buClr>
+              <a:buFont typeface="Arial" panose="020B0604020202020204" pitchFamily="34" charset="0"/>
+              <a:buChar char="•"/>
+            </a:pPr>
+            <a:r>
+              <a:rPr lang="en-US" sz="1300" dirty="0"/>
+              <a:t> Lower (MAC/PHY) stacks IEEE 802.15.4</a:t>
+            </a:r>
+          </a:p>
+          <a:p>
+            <a:pPr marL="285750" indent="-228600" defTabSz="914400">
+              <a:spcBef>
+                <a:spcPts val="700"/>
+              </a:spcBef>
+              <a:buClr>
+                <a:schemeClr val="tx2"/>
+              </a:buClr>
+              <a:buFont typeface="Arial" panose="020B0604020202020204" pitchFamily="34" charset="0"/>
+              <a:buChar char="•"/>
+            </a:pPr>
+            <a:r>
+              <a:rPr lang="en-US" sz="1300" dirty="0"/>
+              <a:t> Upper stacks Zigbee Alliance</a:t>
+            </a:r>
+          </a:p>
+          <a:p>
+            <a:pPr marL="285750" indent="-228600" defTabSz="914400">
+              <a:spcBef>
+                <a:spcPts val="700"/>
+              </a:spcBef>
+              <a:buClr>
+                <a:schemeClr val="tx2"/>
+              </a:buClr>
+              <a:buFont typeface="Arial" panose="020B0604020202020204" pitchFamily="34" charset="0"/>
+              <a:buChar char="•"/>
+            </a:pPr>
+            <a:r>
+              <a:rPr lang="en-US" sz="1300" dirty="0"/>
+              <a:t> IEEE 802 compatible LLC protocol can be used</a:t>
+            </a:r>
+          </a:p>
+          <a:p>
+            <a:pPr marL="285750" indent="-228600" defTabSz="914400">
+              <a:spcBef>
+                <a:spcPts val="700"/>
+              </a:spcBef>
+              <a:buClr>
+                <a:schemeClr val="tx2"/>
+              </a:buClr>
+              <a:buFont typeface="Arial" panose="020B0604020202020204" pitchFamily="34" charset="0"/>
+              <a:buChar char="•"/>
+            </a:pPr>
+            <a:r>
+              <a:rPr lang="en-US" sz="1400" dirty="0"/>
+              <a:t>At the network level, ZigBee defines the routing mechanisms and the formation of the logical network topology.</a:t>
+            </a:r>
+            <a:endParaRPr lang="en-US" sz="1300" dirty="0"/>
+          </a:p>
+          <a:p>
+            <a:pPr marL="285750" indent="-228600" defTabSz="914400">
+              <a:spcBef>
+                <a:spcPts val="700"/>
+              </a:spcBef>
+              <a:buClr>
+                <a:schemeClr val="tx2"/>
+              </a:buClr>
+              <a:buFont typeface="Arial" panose="020B0604020202020204" pitchFamily="34" charset="0"/>
+              <a:buChar char="•"/>
+            </a:pPr>
+            <a:r>
+              <a:rPr lang="en-US" sz="1300" dirty="0"/>
+              <a:t>The ZigBee standard supports a network with a cluster architecture formed from ordinary nodes clustered by routers. cluster routers requesting sensor data from the devices and relaying them to each other, transmit the coordinator, which normally has a connection to an external IP-network, and which sends information storage and final processing.</a:t>
+            </a:r>
+          </a:p>
+          <a:p>
+            <a:pPr marL="285750" indent="-228600" defTabSz="914400">
+              <a:spcBef>
+                <a:spcPts val="700"/>
+              </a:spcBef>
+              <a:buClr>
+                <a:schemeClr val="tx2"/>
+              </a:buClr>
+              <a:buFont typeface="Arial" panose="020B0604020202020204" pitchFamily="34" charset="0"/>
+              <a:buChar char="•"/>
+            </a:pPr>
+            <a:r>
+              <a:rPr lang="en-US" sz="1300" dirty="0"/>
+              <a:t>The ZigBee network is self-organizing, that is, all nodes are able to independently determine and adjust the data delivery routes.</a:t>
+            </a:r>
+          </a:p>
+        </p:txBody>
+      </p:sp>
+      <p:pic>
+        <p:nvPicPr>
+          <p:cNvPr id="4" name="Content Placeholder 3">
+            <a:extLst>
+              <a:ext uri="{FF2B5EF4-FFF2-40B4-BE49-F238E27FC236}">
+                <a16:creationId xmlns:a16="http://schemas.microsoft.com/office/drawing/2014/main" id="{9E362515-8083-4415-8FCB-7D2EDEB70674}"/>
+              </a:ext>
+            </a:extLst>
+          </p:cNvPr>
+          <p:cNvPicPr>
+            <a:picLocks noGrp="1" noChangeAspect="1"/>
+          </p:cNvPicPr>
+          <p:nvPr>
+            <p:ph idx="1"/>
+          </p:nvPr>
+        </p:nvPicPr>
+        <p:blipFill>
+          <a:blip r:embed="rId2"/>
+          <a:stretch>
+            <a:fillRect/>
+          </a:stretch>
+        </p:blipFill>
+        <p:spPr>
+          <a:xfrm>
+            <a:off x="6098193" y="1403787"/>
+            <a:ext cx="5176744" cy="4076685"/>
+          </a:xfrm>
+          <a:prstGeom prst="rect">
+            <a:avLst/>
+          </a:prstGeom>
+        </p:spPr>
+      </p:pic>
+    </p:spTree>
+    <p:extLst>
+      <p:ext uri="{BB962C8B-B14F-4D97-AF65-F5344CB8AC3E}">
+        <p14:creationId xmlns:p14="http://schemas.microsoft.com/office/powerpoint/2010/main" val="3299540853"/>
+      </p:ext>
+    </p:extLst>
+  </p:cSld>
+  <p:clrMapOvr>
+    <a:masterClrMapping/>
+  </p:clrMapOvr>
+</p:sld>
+</file>
+
+<file path=ppt/slides/slide2.xml><?xml version="1.0" encoding="utf-8"?>
+<p:sld xmlns:a="http://schemas.openxmlformats.org/drawingml/2006/main" xmlns:r="http://schemas.openxmlformats.org/officeDocument/2006/relationships" xmlns:p="http://schemas.openxmlformats.org/presentationml/2006/main">
+  <p:cSld>
+    <p:bg>
+      <p:bgPr>
+        <a:solidFill>
+          <a:schemeClr val="bg2"/>
+        </a:solidFill>
+        <a:effectLst/>
+      </p:bgPr>
+    </p:bg>
+    <p:spTree>
+      <p:nvGrpSpPr>
+        <p:cNvPr id="1" name=""/>
+        <p:cNvGrpSpPr/>
+        <p:nvPr/>
+      </p:nvGrpSpPr>
+      <p:grpSpPr>
+        <a:xfrm>
+          <a:off x="0" y="0"/>
+          <a:ext cx="0" cy="0"/>
+          <a:chOff x="0" y="0"/>
+          <a:chExt cx="0" cy="0"/>
+        </a:xfrm>
+      </p:grpSpPr>
+      <p:sp useBgFill="1">
+        <p:nvSpPr>
+          <p:cNvPr id="18" name="Rectangle 17">
+            <a:extLst>
+              <a:ext uri="{FF2B5EF4-FFF2-40B4-BE49-F238E27FC236}">
+                <a16:creationId xmlns:a16="http://schemas.microsoft.com/office/drawing/2014/main" id="{374BD3A9-25D1-4691-BE05-149182EC4C13}"/>
+              </a:ext>
+              <a:ext uri="{C183D7F6-B498-43B3-948B-1728B52AA6E4}">
+                <adec:decorative xmlns:adec="http://schemas.microsoft.com/office/drawing/2017/decorative" val="1"/>
+              </a:ext>
+            </a:extLst>
+          </p:cNvPr>
+          <p:cNvSpPr>
+            <a:spLocks noGrp="1" noRot="1" noChangeAspect="1" noMove="1" noResize="1" noEditPoints="1" noAdjustHandles="1" noChangeArrowheads="1" noChangeShapeType="1" noTextEdit="1"/>
+          </p:cNvSpPr>
+          <p:nvPr>
+            <p:extLst>
+              <p:ext uri="{386F3935-93C4-4BCD-93E2-E3B085C9AB24}">
+                <p16:designElem xmlns:p16="http://schemas.microsoft.com/office/powerpoint/2015/main" val="1"/>
+              </p:ext>
+            </p:extLst>
+          </p:nvPr>
+        </p:nvSpPr>
+        <p:spPr bwMode="white">
+          <a:xfrm>
+            <a:off x="0" y="0"/>
+            <a:ext cx="12192000" cy="6858000"/>
+          </a:xfrm>
+          <a:prstGeom prst="rect">
+            <a:avLst/>
+          </a:prstGeom>
+          <a:ln>
+            <a:noFill/>
+          </a:ln>
+        </p:spPr>
+        <p:style>
+          <a:lnRef idx="2">
+            <a:schemeClr val="accent1">
+              <a:shade val="50000"/>
+            </a:schemeClr>
+          </a:lnRef>
+          <a:fillRef idx="1">
+            <a:schemeClr val="accent1"/>
+          </a:fillRef>
+          <a:effectRef idx="0">
+            <a:schemeClr val="accent1"/>
+          </a:effectRef>
+          <a:fontRef idx="minor">
+            <a:schemeClr val="lt1"/>
+          </a:fontRef>
+        </p:style>
+        <p:txBody>
+          <a:bodyPr rot="0" spcFirstLastPara="0" vert="horz" wrap="square" lIns="91440" tIns="45720" rIns="91440" bIns="45720" numCol="1" spcCol="0" rtlCol="0" fromWordArt="0" anchor="ctr" anchorCtr="0" forceAA="0" compatLnSpc="1">
+            <a:prstTxWarp prst="textNoShape">
+              <a:avLst/>
+            </a:prstTxWarp>
+            <a:noAutofit/>
+          </a:bodyPr>
+          <a:lstStyle>
+            <a:defPPr>
+              <a:defRPr lang="en-US"/>
+            </a:defPPr>
+            <a:lvl1pPr marL="0" algn="l" defTabSz="914400" rtl="0" eaLnBrk="1" latinLnBrk="0" hangingPunct="1">
+              <a:defRPr sz="1800" kern="1200">
+                <a:solidFill>
+                  <a:schemeClr val="lt1"/>
+                </a:solidFill>
+                <a:latin typeface="+mn-lt"/>
+                <a:ea typeface="+mn-ea"/>
+                <a:cs typeface="+mn-cs"/>
+              </a:defRPr>
+            </a:lvl1pPr>
+            <a:lvl2pPr marL="457200" algn="l" defTabSz="914400" rtl="0" eaLnBrk="1" latinLnBrk="0" hangingPunct="1">
+              <a:defRPr sz="1800" kern="1200">
+                <a:solidFill>
+                  <a:schemeClr val="lt1"/>
+                </a:solidFill>
+                <a:latin typeface="+mn-lt"/>
+                <a:ea typeface="+mn-ea"/>
+                <a:cs typeface="+mn-cs"/>
+              </a:defRPr>
+            </a:lvl2pPr>
+            <a:lvl3pPr marL="914400" algn="l" defTabSz="914400" rtl="0" eaLnBrk="1" latinLnBrk="0" hangingPunct="1">
+              <a:defRPr sz="1800" kern="1200">
+                <a:solidFill>
+                  <a:schemeClr val="lt1"/>
+                </a:solidFill>
+                <a:latin typeface="+mn-lt"/>
+                <a:ea typeface="+mn-ea"/>
+                <a:cs typeface="+mn-cs"/>
+              </a:defRPr>
+            </a:lvl3pPr>
+            <a:lvl4pPr marL="1371600" algn="l" defTabSz="914400" rtl="0" eaLnBrk="1" latinLnBrk="0" hangingPunct="1">
+              <a:defRPr sz="1800" kern="1200">
+                <a:solidFill>
+                  <a:schemeClr val="lt1"/>
+                </a:solidFill>
+                <a:latin typeface="+mn-lt"/>
+                <a:ea typeface="+mn-ea"/>
+                <a:cs typeface="+mn-cs"/>
+              </a:defRPr>
+            </a:lvl4pPr>
+            <a:lvl5pPr marL="1828800" algn="l" defTabSz="914400" rtl="0" eaLnBrk="1" latinLnBrk="0" hangingPunct="1">
+              <a:defRPr sz="1800" kern="1200">
+                <a:solidFill>
+                  <a:schemeClr val="lt1"/>
+                </a:solidFill>
+                <a:latin typeface="+mn-lt"/>
+                <a:ea typeface="+mn-ea"/>
+                <a:cs typeface="+mn-cs"/>
+              </a:defRPr>
+            </a:lvl5pPr>
+            <a:lvl6pPr marL="2286000" algn="l" defTabSz="914400" rtl="0" eaLnBrk="1" latinLnBrk="0" hangingPunct="1">
+              <a:defRPr sz="1800" kern="1200">
+                <a:solidFill>
+                  <a:schemeClr val="lt1"/>
+                </a:solidFill>
+                <a:latin typeface="+mn-lt"/>
+                <a:ea typeface="+mn-ea"/>
+                <a:cs typeface="+mn-cs"/>
+              </a:defRPr>
+            </a:lvl6pPr>
+            <a:lvl7pPr marL="2743200" algn="l" defTabSz="914400" rtl="0" eaLnBrk="1" latinLnBrk="0" hangingPunct="1">
+              <a:defRPr sz="1800" kern="1200">
+                <a:solidFill>
+                  <a:schemeClr val="lt1"/>
+                </a:solidFill>
+                <a:latin typeface="+mn-lt"/>
+                <a:ea typeface="+mn-ea"/>
+                <a:cs typeface="+mn-cs"/>
+              </a:defRPr>
+            </a:lvl7pPr>
+            <a:lvl8pPr marL="3200400" algn="l" defTabSz="914400" rtl="0" eaLnBrk="1" latinLnBrk="0" hangingPunct="1">
+              <a:defRPr sz="1800" kern="1200">
+                <a:solidFill>
+                  <a:schemeClr val="lt1"/>
+                </a:solidFill>
+                <a:latin typeface="+mn-lt"/>
+                <a:ea typeface="+mn-ea"/>
+                <a:cs typeface="+mn-cs"/>
+              </a:defRPr>
+            </a:lvl8pPr>
+            <a:lvl9pPr marL="3657600" algn="l" defTabSz="914400" rtl="0" eaLnBrk="1" latinLnBrk="0" hangingPunct="1">
+              <a:defRPr sz="1800" kern="1200">
+                <a:solidFill>
+                  <a:schemeClr val="lt1"/>
+                </a:solidFill>
+                <a:latin typeface="+mn-lt"/>
+                <a:ea typeface="+mn-ea"/>
+                <a:cs typeface="+mn-cs"/>
+              </a:defRPr>
+            </a:lvl9pPr>
+          </a:lstStyle>
+          <a:p>
+            <a:pPr algn="ctr"/>
+            <a:endParaRPr lang="en-US"/>
+          </a:p>
+        </p:txBody>
+      </p:sp>
+      <p:sp>
+        <p:nvSpPr>
+          <p:cNvPr id="20" name="Freeform 10">
+            <a:extLst>
+              <a:ext uri="{FF2B5EF4-FFF2-40B4-BE49-F238E27FC236}">
+                <a16:creationId xmlns:a16="http://schemas.microsoft.com/office/drawing/2014/main" id="{8D49CF1A-01DD-4115-A6BB-CFA8F704534E}"/>
+              </a:ext>
+              <a:ext uri="{C183D7F6-B498-43B3-948B-1728B52AA6E4}">
+                <adec:decorative xmlns:adec="http://schemas.microsoft.com/office/drawing/2017/decorative" val="1"/>
+              </a:ext>
+            </a:extLst>
+          </p:cNvPr>
+          <p:cNvSpPr>
+            <a:spLocks noGrp="1" noRot="1" noChangeAspect="1" noMove="1" noResize="1" noEditPoints="1" noAdjustHandles="1" noChangeArrowheads="1" noChangeShapeType="1" noTextEdit="1"/>
+          </p:cNvSpPr>
+          <p:nvPr>
+            <p:extLst>
+              <p:ext uri="{386F3935-93C4-4BCD-93E2-E3B085C9AB24}">
+                <p16:designElem xmlns:p16="http://schemas.microsoft.com/office/powerpoint/2015/main" val="1"/>
+              </p:ext>
+            </p:extLst>
+          </p:nvPr>
+        </p:nvSpPr>
+        <p:spPr bwMode="ltGray">
+          <a:xfrm>
+            <a:off x="0" y="0"/>
+            <a:ext cx="7569200" cy="6858000"/>
+          </a:xfrm>
+          <a:custGeom>
+            <a:avLst/>
+            <a:gdLst>
+              <a:gd name="connsiteX0" fmla="*/ 0 w 7569200"/>
+              <a:gd name="connsiteY0" fmla="*/ 0 h 6858000"/>
+              <a:gd name="connsiteX1" fmla="*/ 7389812 w 7569200"/>
+              <a:gd name="connsiteY1" fmla="*/ 0 h 6858000"/>
+              <a:gd name="connsiteX2" fmla="*/ 7394575 w 7569200"/>
+              <a:gd name="connsiteY2" fmla="*/ 66675 h 6858000"/>
+              <a:gd name="connsiteX3" fmla="*/ 7402512 w 7569200"/>
+              <a:gd name="connsiteY3" fmla="*/ 122237 h 6858000"/>
+              <a:gd name="connsiteX4" fmla="*/ 7412037 w 7569200"/>
+              <a:gd name="connsiteY4" fmla="*/ 174625 h 6858000"/>
+              <a:gd name="connsiteX5" fmla="*/ 7427912 w 7569200"/>
+              <a:gd name="connsiteY5" fmla="*/ 217487 h 6858000"/>
+              <a:gd name="connsiteX6" fmla="*/ 7443787 w 7569200"/>
+              <a:gd name="connsiteY6" fmla="*/ 260350 h 6858000"/>
+              <a:gd name="connsiteX7" fmla="*/ 7462837 w 7569200"/>
+              <a:gd name="connsiteY7" fmla="*/ 296862 h 6858000"/>
+              <a:gd name="connsiteX8" fmla="*/ 7481887 w 7569200"/>
+              <a:gd name="connsiteY8" fmla="*/ 334962 h 6858000"/>
+              <a:gd name="connsiteX9" fmla="*/ 7499350 w 7569200"/>
+              <a:gd name="connsiteY9" fmla="*/ 369887 h 6858000"/>
+              <a:gd name="connsiteX10" fmla="*/ 7516812 w 7569200"/>
+              <a:gd name="connsiteY10" fmla="*/ 409575 h 6858000"/>
+              <a:gd name="connsiteX11" fmla="*/ 7532687 w 7569200"/>
+              <a:gd name="connsiteY11" fmla="*/ 450850 h 6858000"/>
+              <a:gd name="connsiteX12" fmla="*/ 7546975 w 7569200"/>
+              <a:gd name="connsiteY12" fmla="*/ 496887 h 6858000"/>
+              <a:gd name="connsiteX13" fmla="*/ 7558087 w 7569200"/>
+              <a:gd name="connsiteY13" fmla="*/ 546100 h 6858000"/>
+              <a:gd name="connsiteX14" fmla="*/ 7566025 w 7569200"/>
+              <a:gd name="connsiteY14" fmla="*/ 606425 h 6858000"/>
+              <a:gd name="connsiteX15" fmla="*/ 7569200 w 7569200"/>
+              <a:gd name="connsiteY15" fmla="*/ 673100 h 6858000"/>
+              <a:gd name="connsiteX16" fmla="*/ 7566025 w 7569200"/>
+              <a:gd name="connsiteY16" fmla="*/ 744537 h 6858000"/>
+              <a:gd name="connsiteX17" fmla="*/ 7558087 w 7569200"/>
+              <a:gd name="connsiteY17" fmla="*/ 801687 h 6858000"/>
+              <a:gd name="connsiteX18" fmla="*/ 7546975 w 7569200"/>
+              <a:gd name="connsiteY18" fmla="*/ 854075 h 6858000"/>
+              <a:gd name="connsiteX19" fmla="*/ 7532687 w 7569200"/>
+              <a:gd name="connsiteY19" fmla="*/ 901700 h 6858000"/>
+              <a:gd name="connsiteX20" fmla="*/ 7516812 w 7569200"/>
+              <a:gd name="connsiteY20" fmla="*/ 942975 h 6858000"/>
+              <a:gd name="connsiteX21" fmla="*/ 7497762 w 7569200"/>
+              <a:gd name="connsiteY21" fmla="*/ 981075 h 6858000"/>
+              <a:gd name="connsiteX22" fmla="*/ 7478712 w 7569200"/>
+              <a:gd name="connsiteY22" fmla="*/ 1017587 h 6858000"/>
+              <a:gd name="connsiteX23" fmla="*/ 7459662 w 7569200"/>
+              <a:gd name="connsiteY23" fmla="*/ 1055687 h 6858000"/>
+              <a:gd name="connsiteX24" fmla="*/ 7442200 w 7569200"/>
+              <a:gd name="connsiteY24" fmla="*/ 1095375 h 6858000"/>
+              <a:gd name="connsiteX25" fmla="*/ 7424737 w 7569200"/>
+              <a:gd name="connsiteY25" fmla="*/ 1136650 h 6858000"/>
+              <a:gd name="connsiteX26" fmla="*/ 7410450 w 7569200"/>
+              <a:gd name="connsiteY26" fmla="*/ 1182687 h 6858000"/>
+              <a:gd name="connsiteX27" fmla="*/ 7400925 w 7569200"/>
+              <a:gd name="connsiteY27" fmla="*/ 1235075 h 6858000"/>
+              <a:gd name="connsiteX28" fmla="*/ 7391400 w 7569200"/>
+              <a:gd name="connsiteY28" fmla="*/ 1295400 h 6858000"/>
+              <a:gd name="connsiteX29" fmla="*/ 7389812 w 7569200"/>
+              <a:gd name="connsiteY29" fmla="*/ 1363662 h 6858000"/>
+              <a:gd name="connsiteX30" fmla="*/ 7391400 w 7569200"/>
+              <a:gd name="connsiteY30" fmla="*/ 1431925 h 6858000"/>
+              <a:gd name="connsiteX31" fmla="*/ 7400925 w 7569200"/>
+              <a:gd name="connsiteY31" fmla="*/ 1492250 h 6858000"/>
+              <a:gd name="connsiteX32" fmla="*/ 7410450 w 7569200"/>
+              <a:gd name="connsiteY32" fmla="*/ 1544637 h 6858000"/>
+              <a:gd name="connsiteX33" fmla="*/ 7424737 w 7569200"/>
+              <a:gd name="connsiteY33" fmla="*/ 1589087 h 6858000"/>
+              <a:gd name="connsiteX34" fmla="*/ 7442200 w 7569200"/>
+              <a:gd name="connsiteY34" fmla="*/ 1631950 h 6858000"/>
+              <a:gd name="connsiteX35" fmla="*/ 7459662 w 7569200"/>
+              <a:gd name="connsiteY35" fmla="*/ 1671637 h 6858000"/>
+              <a:gd name="connsiteX36" fmla="*/ 7478712 w 7569200"/>
+              <a:gd name="connsiteY36" fmla="*/ 1708150 h 6858000"/>
+              <a:gd name="connsiteX37" fmla="*/ 7497762 w 7569200"/>
+              <a:gd name="connsiteY37" fmla="*/ 1743075 h 6858000"/>
+              <a:gd name="connsiteX38" fmla="*/ 7516812 w 7569200"/>
+              <a:gd name="connsiteY38" fmla="*/ 1782762 h 6858000"/>
+              <a:gd name="connsiteX39" fmla="*/ 7532687 w 7569200"/>
+              <a:gd name="connsiteY39" fmla="*/ 1824037 h 6858000"/>
+              <a:gd name="connsiteX40" fmla="*/ 7546975 w 7569200"/>
+              <a:gd name="connsiteY40" fmla="*/ 1870075 h 6858000"/>
+              <a:gd name="connsiteX41" fmla="*/ 7558087 w 7569200"/>
+              <a:gd name="connsiteY41" fmla="*/ 1922462 h 6858000"/>
+              <a:gd name="connsiteX42" fmla="*/ 7566025 w 7569200"/>
+              <a:gd name="connsiteY42" fmla="*/ 1982787 h 6858000"/>
+              <a:gd name="connsiteX43" fmla="*/ 7569200 w 7569200"/>
+              <a:gd name="connsiteY43" fmla="*/ 2051050 h 6858000"/>
+              <a:gd name="connsiteX44" fmla="*/ 7566025 w 7569200"/>
+              <a:gd name="connsiteY44" fmla="*/ 2119312 h 6858000"/>
+              <a:gd name="connsiteX45" fmla="*/ 7558087 w 7569200"/>
+              <a:gd name="connsiteY45" fmla="*/ 2179637 h 6858000"/>
+              <a:gd name="connsiteX46" fmla="*/ 7546975 w 7569200"/>
+              <a:gd name="connsiteY46" fmla="*/ 2232025 h 6858000"/>
+              <a:gd name="connsiteX47" fmla="*/ 7532687 w 7569200"/>
+              <a:gd name="connsiteY47" fmla="*/ 2278062 h 6858000"/>
+              <a:gd name="connsiteX48" fmla="*/ 7516812 w 7569200"/>
+              <a:gd name="connsiteY48" fmla="*/ 2319337 h 6858000"/>
+              <a:gd name="connsiteX49" fmla="*/ 7497762 w 7569200"/>
+              <a:gd name="connsiteY49" fmla="*/ 2359025 h 6858000"/>
+              <a:gd name="connsiteX50" fmla="*/ 7478712 w 7569200"/>
+              <a:gd name="connsiteY50" fmla="*/ 2395537 h 6858000"/>
+              <a:gd name="connsiteX51" fmla="*/ 7459662 w 7569200"/>
+              <a:gd name="connsiteY51" fmla="*/ 2433637 h 6858000"/>
+              <a:gd name="connsiteX52" fmla="*/ 7442200 w 7569200"/>
+              <a:gd name="connsiteY52" fmla="*/ 2471737 h 6858000"/>
+              <a:gd name="connsiteX53" fmla="*/ 7424737 w 7569200"/>
+              <a:gd name="connsiteY53" fmla="*/ 2513012 h 6858000"/>
+              <a:gd name="connsiteX54" fmla="*/ 7410450 w 7569200"/>
+              <a:gd name="connsiteY54" fmla="*/ 2560637 h 6858000"/>
+              <a:gd name="connsiteX55" fmla="*/ 7400925 w 7569200"/>
+              <a:gd name="connsiteY55" fmla="*/ 2613025 h 6858000"/>
+              <a:gd name="connsiteX56" fmla="*/ 7391400 w 7569200"/>
+              <a:gd name="connsiteY56" fmla="*/ 2671762 h 6858000"/>
+              <a:gd name="connsiteX57" fmla="*/ 7389812 w 7569200"/>
+              <a:gd name="connsiteY57" fmla="*/ 2741612 h 6858000"/>
+              <a:gd name="connsiteX58" fmla="*/ 7391400 w 7569200"/>
+              <a:gd name="connsiteY58" fmla="*/ 2809875 h 6858000"/>
+              <a:gd name="connsiteX59" fmla="*/ 7400925 w 7569200"/>
+              <a:gd name="connsiteY59" fmla="*/ 2868612 h 6858000"/>
+              <a:gd name="connsiteX60" fmla="*/ 7410450 w 7569200"/>
+              <a:gd name="connsiteY60" fmla="*/ 2922587 h 6858000"/>
+              <a:gd name="connsiteX61" fmla="*/ 7424737 w 7569200"/>
+              <a:gd name="connsiteY61" fmla="*/ 2967037 h 6858000"/>
+              <a:gd name="connsiteX62" fmla="*/ 7442200 w 7569200"/>
+              <a:gd name="connsiteY62" fmla="*/ 3009900 h 6858000"/>
+              <a:gd name="connsiteX63" fmla="*/ 7459662 w 7569200"/>
+              <a:gd name="connsiteY63" fmla="*/ 3046412 h 6858000"/>
+              <a:gd name="connsiteX64" fmla="*/ 7478712 w 7569200"/>
+              <a:gd name="connsiteY64" fmla="*/ 3084512 h 6858000"/>
+              <a:gd name="connsiteX65" fmla="*/ 7497762 w 7569200"/>
+              <a:gd name="connsiteY65" fmla="*/ 3121025 h 6858000"/>
+              <a:gd name="connsiteX66" fmla="*/ 7516812 w 7569200"/>
+              <a:gd name="connsiteY66" fmla="*/ 3160712 h 6858000"/>
+              <a:gd name="connsiteX67" fmla="*/ 7532687 w 7569200"/>
+              <a:gd name="connsiteY67" fmla="*/ 3201987 h 6858000"/>
+              <a:gd name="connsiteX68" fmla="*/ 7546975 w 7569200"/>
+              <a:gd name="connsiteY68" fmla="*/ 3248025 h 6858000"/>
+              <a:gd name="connsiteX69" fmla="*/ 7558087 w 7569200"/>
+              <a:gd name="connsiteY69" fmla="*/ 3300412 h 6858000"/>
+              <a:gd name="connsiteX70" fmla="*/ 7566025 w 7569200"/>
+              <a:gd name="connsiteY70" fmla="*/ 3360737 h 6858000"/>
+              <a:gd name="connsiteX71" fmla="*/ 7569200 w 7569200"/>
+              <a:gd name="connsiteY71" fmla="*/ 3427412 h 6858000"/>
+              <a:gd name="connsiteX72" fmla="*/ 7566025 w 7569200"/>
+              <a:gd name="connsiteY72" fmla="*/ 3497262 h 6858000"/>
+              <a:gd name="connsiteX73" fmla="*/ 7558087 w 7569200"/>
+              <a:gd name="connsiteY73" fmla="*/ 3557587 h 6858000"/>
+              <a:gd name="connsiteX74" fmla="*/ 7546975 w 7569200"/>
+              <a:gd name="connsiteY74" fmla="*/ 3609975 h 6858000"/>
+              <a:gd name="connsiteX75" fmla="*/ 7532687 w 7569200"/>
+              <a:gd name="connsiteY75" fmla="*/ 3656012 h 6858000"/>
+              <a:gd name="connsiteX76" fmla="*/ 7516812 w 7569200"/>
+              <a:gd name="connsiteY76" fmla="*/ 3697287 h 6858000"/>
+              <a:gd name="connsiteX77" fmla="*/ 7497762 w 7569200"/>
+              <a:gd name="connsiteY77" fmla="*/ 3736975 h 6858000"/>
+              <a:gd name="connsiteX78" fmla="*/ 7459662 w 7569200"/>
+              <a:gd name="connsiteY78" fmla="*/ 3811587 h 6858000"/>
+              <a:gd name="connsiteX79" fmla="*/ 7442200 w 7569200"/>
+              <a:gd name="connsiteY79" fmla="*/ 3848100 h 6858000"/>
+              <a:gd name="connsiteX80" fmla="*/ 7424737 w 7569200"/>
+              <a:gd name="connsiteY80" fmla="*/ 3890962 h 6858000"/>
+              <a:gd name="connsiteX81" fmla="*/ 7410450 w 7569200"/>
+              <a:gd name="connsiteY81" fmla="*/ 3935412 h 6858000"/>
+              <a:gd name="connsiteX82" fmla="*/ 7400925 w 7569200"/>
+              <a:gd name="connsiteY82" fmla="*/ 3987800 h 6858000"/>
+              <a:gd name="connsiteX83" fmla="*/ 7391400 w 7569200"/>
+              <a:gd name="connsiteY83" fmla="*/ 4048125 h 6858000"/>
+              <a:gd name="connsiteX84" fmla="*/ 7389812 w 7569200"/>
+              <a:gd name="connsiteY84" fmla="*/ 4116387 h 6858000"/>
+              <a:gd name="connsiteX85" fmla="*/ 7391400 w 7569200"/>
+              <a:gd name="connsiteY85" fmla="*/ 4186237 h 6858000"/>
+              <a:gd name="connsiteX86" fmla="*/ 7400925 w 7569200"/>
+              <a:gd name="connsiteY86" fmla="*/ 4244975 h 6858000"/>
+              <a:gd name="connsiteX87" fmla="*/ 7410450 w 7569200"/>
+              <a:gd name="connsiteY87" fmla="*/ 4297362 h 6858000"/>
+              <a:gd name="connsiteX88" fmla="*/ 7424737 w 7569200"/>
+              <a:gd name="connsiteY88" fmla="*/ 4343400 h 6858000"/>
+              <a:gd name="connsiteX89" fmla="*/ 7442200 w 7569200"/>
+              <a:gd name="connsiteY89" fmla="*/ 4386262 h 6858000"/>
+              <a:gd name="connsiteX90" fmla="*/ 7459662 w 7569200"/>
+              <a:gd name="connsiteY90" fmla="*/ 4424362 h 6858000"/>
+              <a:gd name="connsiteX91" fmla="*/ 7497762 w 7569200"/>
+              <a:gd name="connsiteY91" fmla="*/ 4498975 h 6858000"/>
+              <a:gd name="connsiteX92" fmla="*/ 7516812 w 7569200"/>
+              <a:gd name="connsiteY92" fmla="*/ 4537075 h 6858000"/>
+              <a:gd name="connsiteX93" fmla="*/ 7532687 w 7569200"/>
+              <a:gd name="connsiteY93" fmla="*/ 4579937 h 6858000"/>
+              <a:gd name="connsiteX94" fmla="*/ 7546975 w 7569200"/>
+              <a:gd name="connsiteY94" fmla="*/ 4625975 h 6858000"/>
+              <a:gd name="connsiteX95" fmla="*/ 7558087 w 7569200"/>
+              <a:gd name="connsiteY95" fmla="*/ 4678362 h 6858000"/>
+              <a:gd name="connsiteX96" fmla="*/ 7566025 w 7569200"/>
+              <a:gd name="connsiteY96" fmla="*/ 4738687 h 6858000"/>
+              <a:gd name="connsiteX97" fmla="*/ 7569200 w 7569200"/>
+              <a:gd name="connsiteY97" fmla="*/ 4806950 h 6858000"/>
+              <a:gd name="connsiteX98" fmla="*/ 7566025 w 7569200"/>
+              <a:gd name="connsiteY98" fmla="*/ 4875212 h 6858000"/>
+              <a:gd name="connsiteX99" fmla="*/ 7558087 w 7569200"/>
+              <a:gd name="connsiteY99" fmla="*/ 4935537 h 6858000"/>
+              <a:gd name="connsiteX100" fmla="*/ 7546975 w 7569200"/>
+              <a:gd name="connsiteY100" fmla="*/ 4987925 h 6858000"/>
+              <a:gd name="connsiteX101" fmla="*/ 7532687 w 7569200"/>
+              <a:gd name="connsiteY101" fmla="*/ 5033962 h 6858000"/>
+              <a:gd name="connsiteX102" fmla="*/ 7516812 w 7569200"/>
+              <a:gd name="connsiteY102" fmla="*/ 5075237 h 6858000"/>
+              <a:gd name="connsiteX103" fmla="*/ 7497762 w 7569200"/>
+              <a:gd name="connsiteY103" fmla="*/ 5114925 h 6858000"/>
+              <a:gd name="connsiteX104" fmla="*/ 7478712 w 7569200"/>
+              <a:gd name="connsiteY104" fmla="*/ 5149850 h 6858000"/>
+              <a:gd name="connsiteX105" fmla="*/ 7459662 w 7569200"/>
+              <a:gd name="connsiteY105" fmla="*/ 5186362 h 6858000"/>
+              <a:gd name="connsiteX106" fmla="*/ 7442200 w 7569200"/>
+              <a:gd name="connsiteY106" fmla="*/ 5226050 h 6858000"/>
+              <a:gd name="connsiteX107" fmla="*/ 7424737 w 7569200"/>
+              <a:gd name="connsiteY107" fmla="*/ 5268912 h 6858000"/>
+              <a:gd name="connsiteX108" fmla="*/ 7410450 w 7569200"/>
+              <a:gd name="connsiteY108" fmla="*/ 5313362 h 6858000"/>
+              <a:gd name="connsiteX109" fmla="*/ 7400925 w 7569200"/>
+              <a:gd name="connsiteY109" fmla="*/ 5365750 h 6858000"/>
+              <a:gd name="connsiteX110" fmla="*/ 7391400 w 7569200"/>
+              <a:gd name="connsiteY110" fmla="*/ 5426075 h 6858000"/>
+              <a:gd name="connsiteX111" fmla="*/ 7389812 w 7569200"/>
+              <a:gd name="connsiteY111" fmla="*/ 5494337 h 6858000"/>
+              <a:gd name="connsiteX112" fmla="*/ 7391400 w 7569200"/>
+              <a:gd name="connsiteY112" fmla="*/ 5562600 h 6858000"/>
+              <a:gd name="connsiteX113" fmla="*/ 7400925 w 7569200"/>
+              <a:gd name="connsiteY113" fmla="*/ 5622925 h 6858000"/>
+              <a:gd name="connsiteX114" fmla="*/ 7410450 w 7569200"/>
+              <a:gd name="connsiteY114" fmla="*/ 5675312 h 6858000"/>
+              <a:gd name="connsiteX115" fmla="*/ 7424737 w 7569200"/>
+              <a:gd name="connsiteY115" fmla="*/ 5721350 h 6858000"/>
+              <a:gd name="connsiteX116" fmla="*/ 7442200 w 7569200"/>
+              <a:gd name="connsiteY116" fmla="*/ 5762625 h 6858000"/>
+              <a:gd name="connsiteX117" fmla="*/ 7459662 w 7569200"/>
+              <a:gd name="connsiteY117" fmla="*/ 5802312 h 6858000"/>
+              <a:gd name="connsiteX118" fmla="*/ 7478712 w 7569200"/>
+              <a:gd name="connsiteY118" fmla="*/ 5840412 h 6858000"/>
+              <a:gd name="connsiteX119" fmla="*/ 7497762 w 7569200"/>
+              <a:gd name="connsiteY119" fmla="*/ 5876925 h 6858000"/>
+              <a:gd name="connsiteX120" fmla="*/ 7516812 w 7569200"/>
+              <a:gd name="connsiteY120" fmla="*/ 5915025 h 6858000"/>
+              <a:gd name="connsiteX121" fmla="*/ 7532687 w 7569200"/>
+              <a:gd name="connsiteY121" fmla="*/ 5956300 h 6858000"/>
+              <a:gd name="connsiteX122" fmla="*/ 7546975 w 7569200"/>
+              <a:gd name="connsiteY122" fmla="*/ 6003925 h 6858000"/>
+              <a:gd name="connsiteX123" fmla="*/ 7558087 w 7569200"/>
+              <a:gd name="connsiteY123" fmla="*/ 6056312 h 6858000"/>
+              <a:gd name="connsiteX124" fmla="*/ 7566025 w 7569200"/>
+              <a:gd name="connsiteY124" fmla="*/ 6113462 h 6858000"/>
+              <a:gd name="connsiteX125" fmla="*/ 7569200 w 7569200"/>
+              <a:gd name="connsiteY125" fmla="*/ 6183312 h 6858000"/>
+              <a:gd name="connsiteX126" fmla="*/ 7566025 w 7569200"/>
+              <a:gd name="connsiteY126" fmla="*/ 6251575 h 6858000"/>
+              <a:gd name="connsiteX127" fmla="*/ 7558087 w 7569200"/>
+              <a:gd name="connsiteY127" fmla="*/ 6311900 h 6858000"/>
+              <a:gd name="connsiteX128" fmla="*/ 7546975 w 7569200"/>
+              <a:gd name="connsiteY128" fmla="*/ 6361112 h 6858000"/>
+              <a:gd name="connsiteX129" fmla="*/ 7532687 w 7569200"/>
+              <a:gd name="connsiteY129" fmla="*/ 6407150 h 6858000"/>
+              <a:gd name="connsiteX130" fmla="*/ 7516812 w 7569200"/>
+              <a:gd name="connsiteY130" fmla="*/ 6448425 h 6858000"/>
+              <a:gd name="connsiteX131" fmla="*/ 7499350 w 7569200"/>
+              <a:gd name="connsiteY131" fmla="*/ 6488112 h 6858000"/>
+              <a:gd name="connsiteX132" fmla="*/ 7481887 w 7569200"/>
+              <a:gd name="connsiteY132" fmla="*/ 6523037 h 6858000"/>
+              <a:gd name="connsiteX133" fmla="*/ 7462837 w 7569200"/>
+              <a:gd name="connsiteY133" fmla="*/ 6561137 h 6858000"/>
+              <a:gd name="connsiteX134" fmla="*/ 7443787 w 7569200"/>
+              <a:gd name="connsiteY134" fmla="*/ 6597650 h 6858000"/>
+              <a:gd name="connsiteX135" fmla="*/ 7427912 w 7569200"/>
+              <a:gd name="connsiteY135" fmla="*/ 6640512 h 6858000"/>
+              <a:gd name="connsiteX136" fmla="*/ 7412037 w 7569200"/>
+              <a:gd name="connsiteY136" fmla="*/ 6683375 h 6858000"/>
+              <a:gd name="connsiteX137" fmla="*/ 7402512 w 7569200"/>
+              <a:gd name="connsiteY137" fmla="*/ 6735762 h 6858000"/>
+              <a:gd name="connsiteX138" fmla="*/ 7394575 w 7569200"/>
+              <a:gd name="connsiteY138" fmla="*/ 6791325 h 6858000"/>
+              <a:gd name="connsiteX139" fmla="*/ 7389812 w 7569200"/>
+              <a:gd name="connsiteY139" fmla="*/ 6858000 h 6858000"/>
+              <a:gd name="connsiteX140" fmla="*/ 0 w 7569200"/>
+              <a:gd name="connsiteY140" fmla="*/ 6858000 h 6858000"/>
+              <a:gd name="connsiteX141" fmla="*/ 0 w 7569200"/>
+              <a:gd name="connsiteY141" fmla="*/ 0 h 6858000"/>
+            </a:gdLst>
+            <a:ahLst/>
+            <a:cxnLst>
+              <a:cxn ang="0">
+                <a:pos x="connsiteX0" y="connsiteY0"/>
+              </a:cxn>
+              <a:cxn ang="0">
+                <a:pos x="connsiteX1" y="connsiteY1"/>
+              </a:cxn>
+              <a:cxn ang="0">
+                <a:pos x="connsiteX2" y="connsiteY2"/>
+              </a:cxn>
+              <a:cxn ang="0">
+                <a:pos x="connsiteX3" y="connsiteY3"/>
+              </a:cxn>
+              <a:cxn ang="0">
+                <a:pos x="connsiteX4" y="connsiteY4"/>
+              </a:cxn>
+              <a:cxn ang="0">
+                <a:pos x="connsiteX5" y="connsiteY5"/>
+              </a:cxn>
+              <a:cxn ang="0">
+                <a:pos x="connsiteX6" y="connsiteY6"/>
+              </a:cxn>
+              <a:cxn ang="0">
+                <a:pos x="connsiteX7" y="connsiteY7"/>
+              </a:cxn>
+              <a:cxn ang="0">
+                <a:pos x="connsiteX8" y="connsiteY8"/>
+              </a:cxn>
+              <a:cxn ang="0">
+                <a:pos x="connsiteX9" y="connsiteY9"/>
+              </a:cxn>
+              <a:cxn ang="0">
+                <a:pos x="connsiteX10" y="connsiteY10"/>
+              </a:cxn>
+              <a:cxn ang="0">
+                <a:pos x="connsiteX11" y="connsiteY11"/>
+              </a:cxn>
+              <a:cxn ang="0">
+                <a:pos x="connsiteX12" y="connsiteY12"/>
+              </a:cxn>
+              <a:cxn ang="0">
+                <a:pos x="connsiteX13" y="connsiteY13"/>
+              </a:cxn>
+              <a:cxn ang="0">
+                <a:pos x="connsiteX14" y="connsiteY14"/>
+              </a:cxn>
+              <a:cxn ang="0">
+                <a:pos x="connsiteX15" y="connsiteY15"/>
+              </a:cxn>
+              <a:cxn ang="0">
+                <a:pos x="connsiteX16" y="connsiteY16"/>
+              </a:cxn>
+              <a:cxn ang="0">
+                <a:pos x="connsiteX17" y="connsiteY17"/>
+              </a:cxn>
+              <a:cxn ang="0">
+                <a:pos x="connsiteX18" y="connsiteY18"/>
+              </a:cxn>
+              <a:cxn ang="0">
+                <a:pos x="connsiteX19" y="connsiteY19"/>
+              </a:cxn>
+              <a:cxn ang="0">
+                <a:pos x="connsiteX20" y="connsiteY20"/>
+              </a:cxn>
+              <a:cxn ang="0">
+                <a:pos x="connsiteX21" y="connsiteY21"/>
+              </a:cxn>
+              <a:cxn ang="0">
+                <a:pos x="connsiteX22" y="connsiteY22"/>
+              </a:cxn>
+              <a:cxn ang="0">
+                <a:pos x="connsiteX23" y="connsiteY23"/>
+              </a:cxn>
+              <a:cxn ang="0">
+                <a:pos x="connsiteX24" y="connsiteY24"/>
+              </a:cxn>
+              <a:cxn ang="0">
+                <a:pos x="connsiteX25" y="connsiteY25"/>
+              </a:cxn>
+              <a:cxn ang="0">
+                <a:pos x="connsiteX26" y="connsiteY26"/>
+              </a:cxn>
+              <a:cxn ang="0">
+                <a:pos x="connsiteX27" y="connsiteY27"/>
+              </a:cxn>
+              <a:cxn ang="0">
+                <a:pos x="connsiteX28" y="connsiteY28"/>
+              </a:cxn>
+              <a:cxn ang="0">
+                <a:pos x="connsiteX29" y="connsiteY29"/>
+              </a:cxn>
+              <a:cxn ang="0">
+                <a:pos x="connsiteX30" y="connsiteY30"/>
+              </a:cxn>
+              <a:cxn ang="0">
+                <a:pos x="connsiteX31" y="connsiteY31"/>
+              </a:cxn>
+              <a:cxn ang="0">
+                <a:pos x="connsiteX32" y="connsiteY32"/>
+              </a:cxn>
+              <a:cxn ang="0">
+                <a:pos x="connsiteX33" y="connsiteY33"/>
+              </a:cxn>
+              <a:cxn ang="0">
+                <a:pos x="connsiteX34" y="connsiteY34"/>
+              </a:cxn>
+              <a:cxn ang="0">
+                <a:pos x="connsiteX35" y="connsiteY35"/>
+              </a:cxn>
+              <a:cxn ang="0">
+                <a:pos x="connsiteX36" y="connsiteY36"/>
+              </a:cxn>
+              <a:cxn ang="0">
+                <a:pos x="connsiteX37" y="connsiteY37"/>
+              </a:cxn>
+              <a:cxn ang="0">
+                <a:pos x="connsiteX38" y="connsiteY38"/>
+              </a:cxn>
+              <a:cxn ang="0">
+                <a:pos x="connsiteX39" y="connsiteY39"/>
+              </a:cxn>
+              <a:cxn ang="0">
+                <a:pos x="connsiteX40" y="connsiteY40"/>
+              </a:cxn>
+              <a:cxn ang="0">
+                <a:pos x="connsiteX41" y="connsiteY41"/>
+              </a:cxn>
+              <a:cxn ang="0">
+                <a:pos x="connsiteX42" y="connsiteY42"/>
+              </a:cxn>
+              <a:cxn ang="0">
+                <a:pos x="connsiteX43" y="connsiteY43"/>
+              </a:cxn>
+              <a:cxn ang="0">
+                <a:pos x="connsiteX44" y="connsiteY44"/>
+              </a:cxn>
+              <a:cxn ang="0">
+                <a:pos x="connsiteX45" y="connsiteY45"/>
+              </a:cxn>
+              <a:cxn ang="0">
+                <a:pos x="connsiteX46" y="connsiteY46"/>
+              </a:cxn>
+              <a:cxn ang="0">
+                <a:pos x="connsiteX47" y="connsiteY47"/>
+              </a:cxn>
+              <a:cxn ang="0">
+                <a:pos x="connsiteX48" y="connsiteY48"/>
+              </a:cxn>
+              <a:cxn ang="0">
+                <a:pos x="connsiteX49" y="connsiteY49"/>
+              </a:cxn>
+              <a:cxn ang="0">
+                <a:pos x="connsiteX50" y="connsiteY50"/>
+              </a:cxn>
+              <a:cxn ang="0">
+                <a:pos x="connsiteX51" y="connsiteY51"/>
+              </a:cxn>
+              <a:cxn ang="0">
+                <a:pos x="connsiteX52" y="connsiteY52"/>
+              </a:cxn>
+              <a:cxn ang="0">
+                <a:pos x="connsiteX53" y="connsiteY53"/>
+              </a:cxn>
+              <a:cxn ang="0">
+                <a:pos x="connsiteX54" y="connsiteY54"/>
+              </a:cxn>
+              <a:cxn ang="0">
+                <a:pos x="connsiteX55" y="connsiteY55"/>
+              </a:cxn>
+              <a:cxn ang="0">
+                <a:pos x="connsiteX56" y="connsiteY56"/>
+              </a:cxn>
+              <a:cxn ang="0">
+                <a:pos x="connsiteX57" y="connsiteY57"/>
+              </a:cxn>
+              <a:cxn ang="0">
+                <a:pos x="connsiteX58" y="connsiteY58"/>
+              </a:cxn>
+              <a:cxn ang="0">
+                <a:pos x="connsiteX59" y="connsiteY59"/>
+              </a:cxn>
+              <a:cxn ang="0">
+                <a:pos x="connsiteX60" y="connsiteY60"/>
+              </a:cxn>
+              <a:cxn ang="0">
+                <a:pos x="connsiteX61" y="connsiteY61"/>
+              </a:cxn>
+              <a:cxn ang="0">
+                <a:pos x="connsiteX62" y="connsiteY62"/>
+              </a:cxn>
+              <a:cxn ang="0">
+                <a:pos x="connsiteX63" y="connsiteY63"/>
+              </a:cxn>
+              <a:cxn ang="0">
+                <a:pos x="connsiteX64" y="connsiteY64"/>
+              </a:cxn>
+              <a:cxn ang="0">
+                <a:pos x="connsiteX65" y="connsiteY65"/>
+              </a:cxn>
+              <a:cxn ang="0">
+                <a:pos x="connsiteX66" y="connsiteY66"/>
+              </a:cxn>
+              <a:cxn ang="0">
+                <a:pos x="connsiteX67" y="connsiteY67"/>
+              </a:cxn>
+              <a:cxn ang="0">
+                <a:pos x="connsiteX68" y="connsiteY68"/>
+              </a:cxn>
+              <a:cxn ang="0">
+                <a:pos x="connsiteX69" y="connsiteY69"/>
+              </a:cxn>
+              <a:cxn ang="0">
+                <a:pos x="connsiteX70" y="connsiteY70"/>
+              </a:cxn>
+              <a:cxn ang="0">
+                <a:pos x="connsiteX71" y="connsiteY71"/>
+              </a:cxn>
+              <a:cxn ang="0">
+                <a:pos x="connsiteX72" y="connsiteY72"/>
+              </a:cxn>
+              <a:cxn ang="0">
+                <a:pos x="connsiteX73" y="connsiteY73"/>
+              </a:cxn>
+              <a:cxn ang="0">
+                <a:pos x="connsiteX74" y="connsiteY74"/>
+              </a:cxn>
+              <a:cxn ang="0">
+                <a:pos x="connsiteX75" y="connsiteY75"/>
+              </a:cxn>
+              <a:cxn ang="0">
+                <a:pos x="connsiteX76" y="connsiteY76"/>
+              </a:cxn>
+              <a:cxn ang="0">
+                <a:pos x="connsiteX77" y="connsiteY77"/>
+              </a:cxn>
+              <a:cxn ang="0">
+                <a:pos x="connsiteX78" y="connsiteY78"/>
+              </a:cxn>
+              <a:cxn ang="0">
+                <a:pos x="connsiteX79" y="connsiteY79"/>
+              </a:cxn>
+              <a:cxn ang="0">
+                <a:pos x="connsiteX80" y="connsiteY80"/>
+              </a:cxn>
+              <a:cxn ang="0">
+                <a:pos x="connsiteX81" y="connsiteY81"/>
+              </a:cxn>
+              <a:cxn ang="0">
+                <a:pos x="connsiteX82" y="connsiteY82"/>
+              </a:cxn>
+              <a:cxn ang="0">
+                <a:pos x="connsiteX83" y="connsiteY83"/>
+              </a:cxn>
+              <a:cxn ang="0">
+                <a:pos x="connsiteX84" y="connsiteY84"/>
+              </a:cxn>
+              <a:cxn ang="0">
+                <a:pos x="connsiteX85" y="connsiteY85"/>
+              </a:cxn>
+              <a:cxn ang="0">
+                <a:pos x="connsiteX86" y="connsiteY86"/>
+              </a:cxn>
+              <a:cxn ang="0">
+                <a:pos x="connsiteX87" y="connsiteY87"/>
+              </a:cxn>
+              <a:cxn ang="0">
+                <a:pos x="connsiteX88" y="connsiteY88"/>
+              </a:cxn>
+              <a:cxn ang="0">
+                <a:pos x="connsiteX89" y="connsiteY89"/>
+              </a:cxn>
+              <a:cxn ang="0">
+                <a:pos x="connsiteX90" y="connsiteY90"/>
+              </a:cxn>
+              <a:cxn ang="0">
+                <a:pos x="connsiteX91" y="connsiteY91"/>
+              </a:cxn>
+              <a:cxn ang="0">
+                <a:pos x="connsiteX92" y="connsiteY92"/>
+              </a:cxn>
+              <a:cxn ang="0">
+                <a:pos x="connsiteX93" y="connsiteY93"/>
+              </a:cxn>
+              <a:cxn ang="0">
+                <a:pos x="connsiteX94" y="connsiteY94"/>
+              </a:cxn>
+              <a:cxn ang="0">
+                <a:pos x="connsiteX95" y="connsiteY95"/>
+              </a:cxn>
+              <a:cxn ang="0">
+                <a:pos x="connsiteX96" y="connsiteY96"/>
+              </a:cxn>
+              <a:cxn ang="0">
+                <a:pos x="connsiteX97" y="connsiteY97"/>
+              </a:cxn>
+              <a:cxn ang="0">
+                <a:pos x="connsiteX98" y="connsiteY98"/>
+              </a:cxn>
+              <a:cxn ang="0">
+                <a:pos x="connsiteX99" y="connsiteY99"/>
+              </a:cxn>
+              <a:cxn ang="0">
+                <a:pos x="connsiteX100" y="connsiteY100"/>
+              </a:cxn>
+              <a:cxn ang="0">
+                <a:pos x="connsiteX101" y="connsiteY101"/>
+              </a:cxn>
+              <a:cxn ang="0">
+                <a:pos x="connsiteX102" y="connsiteY102"/>
+              </a:cxn>
+              <a:cxn ang="0">
+                <a:pos x="connsiteX103" y="connsiteY103"/>
+              </a:cxn>
+              <a:cxn ang="0">
+                <a:pos x="connsiteX104" y="connsiteY104"/>
+              </a:cxn>
+              <a:cxn ang="0">
+                <a:pos x="connsiteX105" y="connsiteY105"/>
+              </a:cxn>
+              <a:cxn ang="0">
+                <a:pos x="connsiteX106" y="connsiteY106"/>
+              </a:cxn>
+              <a:cxn ang="0">
+                <a:pos x="connsiteX107" y="connsiteY107"/>
+              </a:cxn>
+              <a:cxn ang="0">
+                <a:pos x="connsiteX108" y="connsiteY108"/>
+              </a:cxn>
+              <a:cxn ang="0">
+                <a:pos x="connsiteX109" y="connsiteY109"/>
+              </a:cxn>
+              <a:cxn ang="0">
+                <a:pos x="connsiteX110" y="connsiteY110"/>
+              </a:cxn>
+              <a:cxn ang="0">
+                <a:pos x="connsiteX111" y="connsiteY111"/>
+              </a:cxn>
+              <a:cxn ang="0">
+                <a:pos x="connsiteX112" y="connsiteY112"/>
+              </a:cxn>
+              <a:cxn ang="0">
+                <a:pos x="connsiteX113" y="connsiteY113"/>
+              </a:cxn>
+              <a:cxn ang="0">
+                <a:pos x="connsiteX114" y="connsiteY114"/>
+              </a:cxn>
+              <a:cxn ang="0">
+                <a:pos x="connsiteX115" y="connsiteY115"/>
+              </a:cxn>
+              <a:cxn ang="0">
+                <a:pos x="connsiteX116" y="connsiteY116"/>
+              </a:cxn>
+              <a:cxn ang="0">
+                <a:pos x="connsiteX117" y="connsiteY117"/>
+              </a:cxn>
+              <a:cxn ang="0">
+                <a:pos x="connsiteX118" y="connsiteY118"/>
+              </a:cxn>
+              <a:cxn ang="0">
+                <a:pos x="connsiteX119" y="connsiteY119"/>
+              </a:cxn>
+              <a:cxn ang="0">
+                <a:pos x="connsiteX120" y="connsiteY120"/>
+              </a:cxn>
+              <a:cxn ang="0">
+                <a:pos x="connsiteX121" y="connsiteY121"/>
+              </a:cxn>
+              <a:cxn ang="0">
+                <a:pos x="connsiteX122" y="connsiteY122"/>
+              </a:cxn>
+              <a:cxn ang="0">
+                <a:pos x="connsiteX123" y="connsiteY123"/>
+              </a:cxn>
+              <a:cxn ang="0">
+                <a:pos x="connsiteX124" y="connsiteY124"/>
+              </a:cxn>
+              <a:cxn ang="0">
+                <a:pos x="connsiteX125" y="connsiteY125"/>
+              </a:cxn>
+              <a:cxn ang="0">
+                <a:pos x="connsiteX126" y="connsiteY126"/>
+              </a:cxn>
+              <a:cxn ang="0">
+                <a:pos x="connsiteX127" y="connsiteY127"/>
+              </a:cxn>
+              <a:cxn ang="0">
+                <a:pos x="connsiteX128" y="connsiteY128"/>
+              </a:cxn>
+              <a:cxn ang="0">
+                <a:pos x="connsiteX129" y="connsiteY129"/>
+              </a:cxn>
+              <a:cxn ang="0">
+                <a:pos x="connsiteX130" y="connsiteY130"/>
+              </a:cxn>
+              <a:cxn ang="0">
+                <a:pos x="connsiteX131" y="connsiteY131"/>
+              </a:cxn>
+              <a:cxn ang="0">
+                <a:pos x="connsiteX132" y="connsiteY132"/>
+              </a:cxn>
+              <a:cxn ang="0">
+                <a:pos x="connsiteX133" y="connsiteY133"/>
+              </a:cxn>
+              <a:cxn ang="0">
+                <a:pos x="connsiteX134" y="connsiteY134"/>
+              </a:cxn>
+              <a:cxn ang="0">
+                <a:pos x="connsiteX135" y="connsiteY135"/>
+              </a:cxn>
+              <a:cxn ang="0">
+                <a:pos x="connsiteX136" y="connsiteY136"/>
+              </a:cxn>
+              <a:cxn ang="0">
+                <a:pos x="connsiteX137" y="connsiteY137"/>
+              </a:cxn>
+              <a:cxn ang="0">
+                <a:pos x="connsiteX138" y="connsiteY138"/>
+              </a:cxn>
+              <a:cxn ang="0">
+                <a:pos x="connsiteX139" y="connsiteY139"/>
+              </a:cxn>
+              <a:cxn ang="0">
+                <a:pos x="connsiteX140" y="connsiteY140"/>
+              </a:cxn>
+              <a:cxn ang="0">
+                <a:pos x="connsiteX141" y="connsiteY141"/>
+              </a:cxn>
+            </a:cxnLst>
+            <a:rect l="l" t="t" r="r" b="b"/>
+            <a:pathLst>
+              <a:path w="7569200" h="6858000">
+                <a:moveTo>
+                  <a:pt x="0" y="0"/>
+                </a:moveTo>
+                <a:lnTo>
+                  <a:pt x="7389812" y="0"/>
+                </a:lnTo>
+                <a:lnTo>
+                  <a:pt x="7394575" y="66675"/>
+                </a:lnTo>
+                <a:lnTo>
+                  <a:pt x="7402512" y="122237"/>
+                </a:lnTo>
+                <a:lnTo>
+                  <a:pt x="7412037" y="174625"/>
+                </a:lnTo>
+                <a:lnTo>
+                  <a:pt x="7427912" y="217487"/>
+                </a:lnTo>
+                <a:lnTo>
+                  <a:pt x="7443787" y="260350"/>
+                </a:lnTo>
+                <a:lnTo>
+                  <a:pt x="7462837" y="296862"/>
+                </a:lnTo>
+                <a:lnTo>
+                  <a:pt x="7481887" y="334962"/>
+                </a:lnTo>
+                <a:lnTo>
+                  <a:pt x="7499350" y="369887"/>
+                </a:lnTo>
+                <a:lnTo>
+                  <a:pt x="7516812" y="409575"/>
+                </a:lnTo>
+                <a:lnTo>
+                  <a:pt x="7532687" y="450850"/>
+                </a:lnTo>
+                <a:lnTo>
+                  <a:pt x="7546975" y="496887"/>
+                </a:lnTo>
+                <a:lnTo>
+                  <a:pt x="7558087" y="546100"/>
+                </a:lnTo>
+                <a:lnTo>
+                  <a:pt x="7566025" y="606425"/>
+                </a:lnTo>
+                <a:lnTo>
+                  <a:pt x="7569200" y="673100"/>
+                </a:lnTo>
+                <a:lnTo>
+                  <a:pt x="7566025" y="744537"/>
+                </a:lnTo>
+                <a:lnTo>
+                  <a:pt x="7558087" y="801687"/>
+                </a:lnTo>
+                <a:lnTo>
+                  <a:pt x="7546975" y="854075"/>
+                </a:lnTo>
+                <a:lnTo>
+                  <a:pt x="7532687" y="901700"/>
+                </a:lnTo>
+                <a:lnTo>
+                  <a:pt x="7516812" y="942975"/>
+                </a:lnTo>
+                <a:lnTo>
+                  <a:pt x="7497762" y="981075"/>
+                </a:lnTo>
+                <a:lnTo>
+                  <a:pt x="7478712" y="1017587"/>
+                </a:lnTo>
+                <a:lnTo>
+                  <a:pt x="7459662" y="1055687"/>
+                </a:lnTo>
+                <a:lnTo>
+                  <a:pt x="7442200" y="1095375"/>
+                </a:lnTo>
+                <a:lnTo>
+                  <a:pt x="7424737" y="1136650"/>
+                </a:lnTo>
+                <a:lnTo>
+                  <a:pt x="7410450" y="1182687"/>
+                </a:lnTo>
+                <a:lnTo>
+                  <a:pt x="7400925" y="1235075"/>
+                </a:lnTo>
+                <a:lnTo>
+                  <a:pt x="7391400" y="1295400"/>
+                </a:lnTo>
+                <a:lnTo>
+                  <a:pt x="7389812" y="1363662"/>
+                </a:lnTo>
+                <a:lnTo>
+                  <a:pt x="7391400" y="1431925"/>
+                </a:lnTo>
+                <a:lnTo>
+                  <a:pt x="7400925" y="1492250"/>
+                </a:lnTo>
+                <a:lnTo>
+                  <a:pt x="7410450" y="1544637"/>
+                </a:lnTo>
+                <a:lnTo>
+                  <a:pt x="7424737" y="1589087"/>
+                </a:lnTo>
+                <a:lnTo>
+                  <a:pt x="7442200" y="1631950"/>
+                </a:lnTo>
+                <a:lnTo>
+                  <a:pt x="7459662" y="1671637"/>
+                </a:lnTo>
+                <a:lnTo>
+                  <a:pt x="7478712" y="1708150"/>
+                </a:lnTo>
+                <a:lnTo>
+                  <a:pt x="7497762" y="1743075"/>
+                </a:lnTo>
+                <a:lnTo>
+                  <a:pt x="7516812" y="1782762"/>
+                </a:lnTo>
+                <a:lnTo>
+                  <a:pt x="7532687" y="1824037"/>
+                </a:lnTo>
+                <a:lnTo>
+                  <a:pt x="7546975" y="1870075"/>
+                </a:lnTo>
+                <a:lnTo>
+                  <a:pt x="7558087" y="1922462"/>
+                </a:lnTo>
+                <a:lnTo>
+                  <a:pt x="7566025" y="1982787"/>
+                </a:lnTo>
+                <a:lnTo>
+                  <a:pt x="7569200" y="2051050"/>
+                </a:lnTo>
+                <a:lnTo>
+                  <a:pt x="7566025" y="2119312"/>
+                </a:lnTo>
+                <a:lnTo>
+                  <a:pt x="7558087" y="2179637"/>
+                </a:lnTo>
+                <a:lnTo>
+                  <a:pt x="7546975" y="2232025"/>
+                </a:lnTo>
+                <a:lnTo>
+                  <a:pt x="7532687" y="2278062"/>
+                </a:lnTo>
+                <a:lnTo>
+                  <a:pt x="7516812" y="2319337"/>
+                </a:lnTo>
+                <a:lnTo>
+                  <a:pt x="7497762" y="2359025"/>
+                </a:lnTo>
+                <a:lnTo>
+                  <a:pt x="7478712" y="2395537"/>
+                </a:lnTo>
+                <a:lnTo>
+                  <a:pt x="7459662" y="2433637"/>
+                </a:lnTo>
+                <a:lnTo>
+                  <a:pt x="7442200" y="2471737"/>
+                </a:lnTo>
+                <a:lnTo>
+                  <a:pt x="7424737" y="2513012"/>
+                </a:lnTo>
+                <a:lnTo>
+                  <a:pt x="7410450" y="2560637"/>
+                </a:lnTo>
+                <a:lnTo>
+                  <a:pt x="7400925" y="2613025"/>
+                </a:lnTo>
+                <a:lnTo>
+                  <a:pt x="7391400" y="2671762"/>
+                </a:lnTo>
+                <a:lnTo>
+                  <a:pt x="7389812" y="2741612"/>
+                </a:lnTo>
+                <a:lnTo>
+                  <a:pt x="7391400" y="2809875"/>
+                </a:lnTo>
+                <a:lnTo>
+                  <a:pt x="7400925" y="2868612"/>
+                </a:lnTo>
+                <a:lnTo>
+                  <a:pt x="7410450" y="2922587"/>
+                </a:lnTo>
+                <a:lnTo>
+                  <a:pt x="7424737" y="2967037"/>
+                </a:lnTo>
+                <a:lnTo>
+                  <a:pt x="7442200" y="3009900"/>
+                </a:lnTo>
+                <a:lnTo>
+                  <a:pt x="7459662" y="3046412"/>
+                </a:lnTo>
+                <a:lnTo>
+                  <a:pt x="7478712" y="3084512"/>
+                </a:lnTo>
+                <a:lnTo>
+                  <a:pt x="7497762" y="3121025"/>
+                </a:lnTo>
+                <a:lnTo>
+                  <a:pt x="7516812" y="3160712"/>
+                </a:lnTo>
+                <a:lnTo>
+                  <a:pt x="7532687" y="3201987"/>
+                </a:lnTo>
+                <a:lnTo>
+                  <a:pt x="7546975" y="3248025"/>
+                </a:lnTo>
+                <a:lnTo>
+                  <a:pt x="7558087" y="3300412"/>
+                </a:lnTo>
+                <a:lnTo>
+                  <a:pt x="7566025" y="3360737"/>
+                </a:lnTo>
+                <a:lnTo>
+                  <a:pt x="7569200" y="3427412"/>
+                </a:lnTo>
+                <a:lnTo>
+                  <a:pt x="7566025" y="3497262"/>
+                </a:lnTo>
+                <a:lnTo>
+                  <a:pt x="7558087" y="3557587"/>
+                </a:lnTo>
+                <a:lnTo>
+                  <a:pt x="7546975" y="3609975"/>
+                </a:lnTo>
+                <a:lnTo>
+                  <a:pt x="7532687" y="3656012"/>
+                </a:lnTo>
+                <a:lnTo>
+                  <a:pt x="7516812" y="3697287"/>
+                </a:lnTo>
+                <a:lnTo>
+                  <a:pt x="7497762" y="3736975"/>
+                </a:lnTo>
+                <a:lnTo>
+                  <a:pt x="7459662" y="3811587"/>
+                </a:lnTo>
+                <a:lnTo>
+                  <a:pt x="7442200" y="3848100"/>
+                </a:lnTo>
+                <a:lnTo>
+                  <a:pt x="7424737" y="3890962"/>
+                </a:lnTo>
+                <a:lnTo>
+                  <a:pt x="7410450" y="3935412"/>
+                </a:lnTo>
+                <a:lnTo>
+                  <a:pt x="7400925" y="3987800"/>
+                </a:lnTo>
+                <a:lnTo>
+                  <a:pt x="7391400" y="4048125"/>
+                </a:lnTo>
+                <a:lnTo>
+                  <a:pt x="7389812" y="4116387"/>
+                </a:lnTo>
+                <a:lnTo>
+                  <a:pt x="7391400" y="4186237"/>
+                </a:lnTo>
+                <a:lnTo>
+                  <a:pt x="7400925" y="4244975"/>
+                </a:lnTo>
+                <a:lnTo>
+                  <a:pt x="7410450" y="4297362"/>
+                </a:lnTo>
+                <a:lnTo>
+                  <a:pt x="7424737" y="4343400"/>
+                </a:lnTo>
+                <a:lnTo>
+                  <a:pt x="7442200" y="4386262"/>
+                </a:lnTo>
+                <a:lnTo>
+                  <a:pt x="7459662" y="4424362"/>
+                </a:lnTo>
+                <a:lnTo>
+                  <a:pt x="7497762" y="4498975"/>
+                </a:lnTo>
+                <a:lnTo>
+                  <a:pt x="7516812" y="4537075"/>
+                </a:lnTo>
+                <a:lnTo>
+                  <a:pt x="7532687" y="4579937"/>
+                </a:lnTo>
+                <a:lnTo>
+                  <a:pt x="7546975" y="4625975"/>
+                </a:lnTo>
+                <a:lnTo>
+                  <a:pt x="7558087" y="4678362"/>
+                </a:lnTo>
+                <a:lnTo>
+                  <a:pt x="7566025" y="4738687"/>
+                </a:lnTo>
+                <a:lnTo>
+                  <a:pt x="7569200" y="4806950"/>
+                </a:lnTo>
+                <a:lnTo>
+                  <a:pt x="7566025" y="4875212"/>
+                </a:lnTo>
+                <a:lnTo>
+                  <a:pt x="7558087" y="4935537"/>
+                </a:lnTo>
+                <a:lnTo>
+                  <a:pt x="7546975" y="4987925"/>
+                </a:lnTo>
+                <a:lnTo>
+                  <a:pt x="7532687" y="5033962"/>
+                </a:lnTo>
+                <a:lnTo>
+                  <a:pt x="7516812" y="5075237"/>
+                </a:lnTo>
+                <a:lnTo>
+                  <a:pt x="7497762" y="5114925"/>
+                </a:lnTo>
+                <a:lnTo>
+                  <a:pt x="7478712" y="5149850"/>
+                </a:lnTo>
+                <a:lnTo>
+                  <a:pt x="7459662" y="5186362"/>
+                </a:lnTo>
+                <a:lnTo>
+                  <a:pt x="7442200" y="5226050"/>
+                </a:lnTo>
+                <a:lnTo>
+                  <a:pt x="7424737" y="5268912"/>
+                </a:lnTo>
+                <a:lnTo>
+                  <a:pt x="7410450" y="5313362"/>
+                </a:lnTo>
+                <a:lnTo>
+                  <a:pt x="7400925" y="5365750"/>
+                </a:lnTo>
+                <a:lnTo>
+                  <a:pt x="7391400" y="5426075"/>
+                </a:lnTo>
+                <a:lnTo>
+                  <a:pt x="7389812" y="5494337"/>
+                </a:lnTo>
+                <a:lnTo>
+                  <a:pt x="7391400" y="5562600"/>
+                </a:lnTo>
+                <a:lnTo>
+                  <a:pt x="7400925" y="5622925"/>
+                </a:lnTo>
+                <a:lnTo>
+                  <a:pt x="7410450" y="5675312"/>
+                </a:lnTo>
+                <a:lnTo>
+                  <a:pt x="7424737" y="5721350"/>
+                </a:lnTo>
+                <a:lnTo>
+                  <a:pt x="7442200" y="5762625"/>
+                </a:lnTo>
+                <a:lnTo>
+                  <a:pt x="7459662" y="5802312"/>
+                </a:lnTo>
+                <a:lnTo>
+                  <a:pt x="7478712" y="5840412"/>
+                </a:lnTo>
+                <a:lnTo>
+                  <a:pt x="7497762" y="5876925"/>
+                </a:lnTo>
+                <a:lnTo>
+                  <a:pt x="7516812" y="5915025"/>
+                </a:lnTo>
+                <a:lnTo>
+                  <a:pt x="7532687" y="5956300"/>
+                </a:lnTo>
+                <a:lnTo>
+                  <a:pt x="7546975" y="6003925"/>
+                </a:lnTo>
+                <a:lnTo>
+                  <a:pt x="7558087" y="6056312"/>
+                </a:lnTo>
+                <a:lnTo>
+                  <a:pt x="7566025" y="6113462"/>
+                </a:lnTo>
+                <a:lnTo>
+                  <a:pt x="7569200" y="6183312"/>
+                </a:lnTo>
+                <a:lnTo>
+                  <a:pt x="7566025" y="6251575"/>
+                </a:lnTo>
+                <a:lnTo>
+                  <a:pt x="7558087" y="6311900"/>
+                </a:lnTo>
+                <a:lnTo>
+                  <a:pt x="7546975" y="6361112"/>
+                </a:lnTo>
+                <a:lnTo>
+                  <a:pt x="7532687" y="6407150"/>
+                </a:lnTo>
+                <a:lnTo>
+                  <a:pt x="7516812" y="6448425"/>
+                </a:lnTo>
+                <a:lnTo>
+                  <a:pt x="7499350" y="6488112"/>
+                </a:lnTo>
+                <a:lnTo>
+                  <a:pt x="7481887" y="6523037"/>
+                </a:lnTo>
+                <a:lnTo>
+                  <a:pt x="7462837" y="6561137"/>
+                </a:lnTo>
+                <a:lnTo>
+                  <a:pt x="7443787" y="6597650"/>
+                </a:lnTo>
+                <a:lnTo>
+                  <a:pt x="7427912" y="6640512"/>
+                </a:lnTo>
+                <a:lnTo>
+                  <a:pt x="7412037" y="6683375"/>
+                </a:lnTo>
+                <a:lnTo>
+                  <a:pt x="7402512" y="6735762"/>
+                </a:lnTo>
+                <a:lnTo>
+                  <a:pt x="7394575" y="6791325"/>
+                </a:lnTo>
+                <a:lnTo>
+                  <a:pt x="7389812" y="6858000"/>
+                </a:lnTo>
+                <a:lnTo>
+                  <a:pt x="0" y="6858000"/>
+                </a:lnTo>
+                <a:lnTo>
+                  <a:pt x="0" y="0"/>
+                </a:lnTo>
+                <a:close/>
+              </a:path>
+            </a:pathLst>
+          </a:custGeom>
+          <a:solidFill>
+            <a:schemeClr val="bg2">
+              <a:lumMod val="90000"/>
+            </a:schemeClr>
+          </a:solidFill>
+          <a:ln w="0">
+            <a:noFill/>
+            <a:prstDash val="solid"/>
+            <a:round/>
+            <a:headEnd/>
+            <a:tailEnd/>
+          </a:ln>
+        </p:spPr>
+      </p:sp>
+      <p:sp>
+        <p:nvSpPr>
+          <p:cNvPr id="22" name="Rectangle 21">
+            <a:extLst>
+              <a:ext uri="{FF2B5EF4-FFF2-40B4-BE49-F238E27FC236}">
+                <a16:creationId xmlns:a16="http://schemas.microsoft.com/office/drawing/2014/main" id="{5FDAFA16-9D2D-4BEC-89D0-B4EABEE911B1}"/>
+              </a:ext>
+              <a:ext uri="{C183D7F6-B498-43B3-948B-1728B52AA6E4}">
+                <adec:decorative xmlns:adec="http://schemas.microsoft.com/office/drawing/2017/decorative" val="1"/>
+              </a:ext>
+            </a:extLst>
+          </p:cNvPr>
+          <p:cNvSpPr>
+            <a:spLocks noGrp="1" noRot="1" noChangeAspect="1" noMove="1" noResize="1" noEditPoints="1" noAdjustHandles="1" noChangeArrowheads="1" noChangeShapeType="1" noTextEdit="1"/>
+          </p:cNvSpPr>
+          <p:nvPr>
+            <p:extLst>
+              <p:ext uri="{386F3935-93C4-4BCD-93E2-E3B085C9AB24}">
+                <p16:designElem xmlns:p16="http://schemas.microsoft.com/office/powerpoint/2015/main" val="1"/>
+              </p:ext>
+            </p:extLst>
+          </p:nvPr>
+        </p:nvSpPr>
+        <p:spPr>
+          <a:xfrm>
+            <a:off x="0" y="0"/>
+            <a:ext cx="283464" cy="6858000"/>
+          </a:xfrm>
+          <a:prstGeom prst="rect">
+            <a:avLst/>
+          </a:prstGeom>
+          <a:solidFill>
+            <a:schemeClr val="accent1"/>
+          </a:solidFill>
+          <a:ln>
+            <a:noFill/>
+          </a:ln>
+        </p:spPr>
+        <p:style>
+          <a:lnRef idx="2">
+            <a:schemeClr val="accent1">
+              <a:shade val="50000"/>
+            </a:schemeClr>
+          </a:lnRef>
+          <a:fillRef idx="1">
+            <a:schemeClr val="accent1"/>
+          </a:fillRef>
+          <a:effectRef idx="0">
+            <a:schemeClr val="accent1"/>
+          </a:effectRef>
+          <a:fontRef idx="minor">
+            <a:schemeClr val="lt1"/>
+          </a:fontRef>
+        </p:style>
+      </p:sp>
+      <p:sp>
+        <p:nvSpPr>
+          <p:cNvPr id="13" name="TextBox 12">
+            <a:extLst>
+              <a:ext uri="{FF2B5EF4-FFF2-40B4-BE49-F238E27FC236}">
+                <a16:creationId xmlns:a16="http://schemas.microsoft.com/office/drawing/2014/main" id="{8A7B483D-A57C-4340-A841-CD0D7CD50451}"/>
+              </a:ext>
+            </a:extLst>
+          </p:cNvPr>
+          <p:cNvSpPr txBox="1"/>
+          <p:nvPr/>
+        </p:nvSpPr>
+        <p:spPr>
+          <a:xfrm>
+            <a:off x="536451" y="1242990"/>
+            <a:ext cx="6306309" cy="3930227"/>
+          </a:xfrm>
+          <a:prstGeom prst="rect">
+            <a:avLst/>
+          </a:prstGeom>
+        </p:spPr>
+        <p:txBody>
+          <a:bodyPr vert="horz" lIns="91440" tIns="45720" rIns="91440" bIns="45720" rtlCol="0">
+            <a:normAutofit/>
+          </a:bodyPr>
+          <a:lstStyle/>
+          <a:p>
+            <a:pPr indent="-228600" defTabSz="914400">
+              <a:lnSpc>
+                <a:spcPct val="110000"/>
+              </a:lnSpc>
+              <a:spcBef>
+                <a:spcPts val="700"/>
+              </a:spcBef>
+              <a:spcAft>
+                <a:spcPts val="600"/>
+              </a:spcAft>
+              <a:buClr>
+                <a:schemeClr val="tx2"/>
+              </a:buClr>
+              <a:buFont typeface="Calibri" panose="020F0502020204030204" pitchFamily="34" charset="0"/>
+            </a:pPr>
+            <a:r>
+              <a:rPr lang="en-US" sz="2400" b="1" dirty="0">
+                <a:solidFill>
+                  <a:schemeClr val="accent3"/>
+                </a:solidFill>
+              </a:rPr>
+              <a:t>IOT = sensors + data + network + services</a:t>
+            </a:r>
+          </a:p>
+          <a:p>
+            <a:pPr indent="-228600" defTabSz="914400">
+              <a:lnSpc>
+                <a:spcPct val="110000"/>
+              </a:lnSpc>
+              <a:spcBef>
+                <a:spcPts val="700"/>
+              </a:spcBef>
+              <a:spcAft>
+                <a:spcPts val="600"/>
+              </a:spcAft>
+              <a:buClr>
+                <a:schemeClr val="tx2"/>
+              </a:buClr>
+              <a:buFont typeface="Calibri" panose="020F0502020204030204" pitchFamily="34" charset="0"/>
+            </a:pPr>
+            <a:endParaRPr lang="en-US" sz="2400" dirty="0"/>
+          </a:p>
+          <a:p>
+            <a:pPr indent="-228600" defTabSz="914400">
+              <a:lnSpc>
+                <a:spcPct val="110000"/>
+              </a:lnSpc>
+              <a:spcBef>
+                <a:spcPts val="700"/>
+              </a:spcBef>
+              <a:spcAft>
+                <a:spcPts val="600"/>
+              </a:spcAft>
+              <a:buClr>
+                <a:schemeClr val="tx2"/>
+              </a:buClr>
+              <a:buFont typeface="Calibri" panose="020F0502020204030204" pitchFamily="34" charset="0"/>
+            </a:pPr>
+            <a:r>
+              <a:rPr lang="en-US" sz="2400" dirty="0"/>
+              <a:t>Simply put, the Internet of Things is a global network of computers, sensors and actuators that communicate with each other using the Internet Protocol IP (Internet Protocol).</a:t>
+            </a:r>
+          </a:p>
+        </p:txBody>
+      </p:sp>
+      <p:pic>
+        <p:nvPicPr>
+          <p:cNvPr id="7" name="Content Placeholder 6">
+            <a:extLst>
+              <a:ext uri="{FF2B5EF4-FFF2-40B4-BE49-F238E27FC236}">
+                <a16:creationId xmlns:a16="http://schemas.microsoft.com/office/drawing/2014/main" id="{FA50D6D8-2DBB-4035-AACE-FC4925A7B08C}"/>
+              </a:ext>
+            </a:extLst>
+          </p:cNvPr>
+          <p:cNvPicPr>
+            <a:picLocks noGrp="1" noChangeAspect="1"/>
+          </p:cNvPicPr>
+          <p:nvPr>
+            <p:ph idx="1"/>
+          </p:nvPr>
+        </p:nvPicPr>
+        <p:blipFill>
+          <a:blip r:embed="rId3">
+            <a:extLst>
+              <a:ext uri="{28A0092B-C50C-407E-A947-70E740481C1C}">
+                <a14:useLocalDpi xmlns:a14="http://schemas.microsoft.com/office/drawing/2010/main" val="0"/>
+              </a:ext>
+            </a:extLst>
+          </a:blip>
+          <a:stretch>
+            <a:fillRect/>
+          </a:stretch>
+        </p:blipFill>
+        <p:spPr>
+          <a:xfrm>
+            <a:off x="6323456" y="125961"/>
+            <a:ext cx="5506594" cy="2877195"/>
+          </a:xfrm>
+          <a:prstGeom prst="rect">
+            <a:avLst/>
+          </a:prstGeom>
+          <a:effectLst>
+            <a:reflection blurRad="6350" stA="50000" endA="295" endPos="92000" dist="101600" dir="5400000" sy="-100000" algn="bl" rotWithShape="0"/>
+          </a:effectLst>
+          <a:scene3d>
+            <a:camera prst="perspectiveRelaxed">
+              <a:rot lat="19800000" lon="1200000" rev="20820000"/>
+            </a:camera>
+            <a:lightRig rig="threePt" dir="t"/>
+          </a:scene3d>
+          <a:sp3d contourW="6350" prstMaterial="matte">
+            <a:bevelT w="101600" h="101600"/>
+            <a:contourClr>
+              <a:srgbClr val="969696"/>
+            </a:contourClr>
+          </a:sp3d>
+        </p:spPr>
+      </p:pic>
+    </p:spTree>
+    <p:extLst>
+      <p:ext uri="{BB962C8B-B14F-4D97-AF65-F5344CB8AC3E}">
+        <p14:creationId xmlns:p14="http://schemas.microsoft.com/office/powerpoint/2010/main" val="263797440"/>
+      </p:ext>
+    </p:extLst>
+  </p:cSld>
+  <p:clrMapOvr>
+    <a:masterClrMapping/>
+  </p:clrMapOvr>
+</p:sld>
+</file>
+
+<file path=ppt/slides/slide20.xml><?xml version="1.0" encoding="utf-8"?>
 <p:sld xmlns:a="http://schemas.openxmlformats.org/drawingml/2006/main" xmlns:r="http://schemas.openxmlformats.org/officeDocument/2006/relationships" xmlns:p="http://schemas.openxmlformats.org/presentationml/2006/main">
   <p:cSld>
     <p:spTree>
@@ -14471,1595 +16616,6 @@
 </p:sld>
 </file>
 
-<file path=ppt/slides/slide2.xml><?xml version="1.0" encoding="utf-8"?>
-<p:sld xmlns:a="http://schemas.openxmlformats.org/drawingml/2006/main" xmlns:r="http://schemas.openxmlformats.org/officeDocument/2006/relationships" xmlns:p="http://schemas.openxmlformats.org/presentationml/2006/main">
-  <p:cSld>
-    <p:bg>
-      <p:bgPr>
-        <a:solidFill>
-          <a:schemeClr val="bg2"/>
-        </a:solidFill>
-        <a:effectLst/>
-      </p:bgPr>
-    </p:bg>
-    <p:spTree>
-      <p:nvGrpSpPr>
-        <p:cNvPr id="1" name=""/>
-        <p:cNvGrpSpPr/>
-        <p:nvPr/>
-      </p:nvGrpSpPr>
-      <p:grpSpPr>
-        <a:xfrm>
-          <a:off x="0" y="0"/>
-          <a:ext cx="0" cy="0"/>
-          <a:chOff x="0" y="0"/>
-          <a:chExt cx="0" cy="0"/>
-        </a:xfrm>
-      </p:grpSpPr>
-      <p:sp useBgFill="1">
-        <p:nvSpPr>
-          <p:cNvPr id="18" name="Rectangle 17">
-            <a:extLst>
-              <a:ext uri="{FF2B5EF4-FFF2-40B4-BE49-F238E27FC236}">
-                <a16:creationId xmlns:a16="http://schemas.microsoft.com/office/drawing/2014/main" id="{374BD3A9-25D1-4691-BE05-149182EC4C13}"/>
-              </a:ext>
-              <a:ext uri="{C183D7F6-B498-43B3-948B-1728B52AA6E4}">
-                <adec:decorative xmlns:adec="http://schemas.microsoft.com/office/drawing/2017/decorative" val="1"/>
-              </a:ext>
-            </a:extLst>
-          </p:cNvPr>
-          <p:cNvSpPr>
-            <a:spLocks noGrp="1" noRot="1" noChangeAspect="1" noMove="1" noResize="1" noEditPoints="1" noAdjustHandles="1" noChangeArrowheads="1" noChangeShapeType="1" noTextEdit="1"/>
-          </p:cNvSpPr>
-          <p:nvPr>
-            <p:extLst>
-              <p:ext uri="{386F3935-93C4-4BCD-93E2-E3B085C9AB24}">
-                <p16:designElem xmlns:p16="http://schemas.microsoft.com/office/powerpoint/2015/main" val="1"/>
-              </p:ext>
-            </p:extLst>
-          </p:nvPr>
-        </p:nvSpPr>
-        <p:spPr bwMode="white">
-          <a:xfrm>
-            <a:off x="0" y="0"/>
-            <a:ext cx="12192000" cy="6858000"/>
-          </a:xfrm>
-          <a:prstGeom prst="rect">
-            <a:avLst/>
-          </a:prstGeom>
-          <a:ln>
-            <a:noFill/>
-          </a:ln>
-        </p:spPr>
-        <p:style>
-          <a:lnRef idx="2">
-            <a:schemeClr val="accent1">
-              <a:shade val="50000"/>
-            </a:schemeClr>
-          </a:lnRef>
-          <a:fillRef idx="1">
-            <a:schemeClr val="accent1"/>
-          </a:fillRef>
-          <a:effectRef idx="0">
-            <a:schemeClr val="accent1"/>
-          </a:effectRef>
-          <a:fontRef idx="minor">
-            <a:schemeClr val="lt1"/>
-          </a:fontRef>
-        </p:style>
-        <p:txBody>
-          <a:bodyPr rot="0" spcFirstLastPara="0" vert="horz" wrap="square" lIns="91440" tIns="45720" rIns="91440" bIns="45720" numCol="1" spcCol="0" rtlCol="0" fromWordArt="0" anchor="ctr" anchorCtr="0" forceAA="0" compatLnSpc="1">
-            <a:prstTxWarp prst="textNoShape">
-              <a:avLst/>
-            </a:prstTxWarp>
-            <a:noAutofit/>
-          </a:bodyPr>
-          <a:lstStyle>
-            <a:defPPr>
-              <a:defRPr lang="en-US"/>
-            </a:defPPr>
-            <a:lvl1pPr marL="0" algn="l" defTabSz="914400" rtl="0" eaLnBrk="1" latinLnBrk="0" hangingPunct="1">
-              <a:defRPr sz="1800" kern="1200">
-                <a:solidFill>
-                  <a:schemeClr val="lt1"/>
-                </a:solidFill>
-                <a:latin typeface="+mn-lt"/>
-                <a:ea typeface="+mn-ea"/>
-                <a:cs typeface="+mn-cs"/>
-              </a:defRPr>
-            </a:lvl1pPr>
-            <a:lvl2pPr marL="457200" algn="l" defTabSz="914400" rtl="0" eaLnBrk="1" latinLnBrk="0" hangingPunct="1">
-              <a:defRPr sz="1800" kern="1200">
-                <a:solidFill>
-                  <a:schemeClr val="lt1"/>
-                </a:solidFill>
-                <a:latin typeface="+mn-lt"/>
-                <a:ea typeface="+mn-ea"/>
-                <a:cs typeface="+mn-cs"/>
-              </a:defRPr>
-            </a:lvl2pPr>
-            <a:lvl3pPr marL="914400" algn="l" defTabSz="914400" rtl="0" eaLnBrk="1" latinLnBrk="0" hangingPunct="1">
-              <a:defRPr sz="1800" kern="1200">
-                <a:solidFill>
-                  <a:schemeClr val="lt1"/>
-                </a:solidFill>
-                <a:latin typeface="+mn-lt"/>
-                <a:ea typeface="+mn-ea"/>
-                <a:cs typeface="+mn-cs"/>
-              </a:defRPr>
-            </a:lvl3pPr>
-            <a:lvl4pPr marL="1371600" algn="l" defTabSz="914400" rtl="0" eaLnBrk="1" latinLnBrk="0" hangingPunct="1">
-              <a:defRPr sz="1800" kern="1200">
-                <a:solidFill>
-                  <a:schemeClr val="lt1"/>
-                </a:solidFill>
-                <a:latin typeface="+mn-lt"/>
-                <a:ea typeface="+mn-ea"/>
-                <a:cs typeface="+mn-cs"/>
-              </a:defRPr>
-            </a:lvl4pPr>
-            <a:lvl5pPr marL="1828800" algn="l" defTabSz="914400" rtl="0" eaLnBrk="1" latinLnBrk="0" hangingPunct="1">
-              <a:defRPr sz="1800" kern="1200">
-                <a:solidFill>
-                  <a:schemeClr val="lt1"/>
-                </a:solidFill>
-                <a:latin typeface="+mn-lt"/>
-                <a:ea typeface="+mn-ea"/>
-                <a:cs typeface="+mn-cs"/>
-              </a:defRPr>
-            </a:lvl5pPr>
-            <a:lvl6pPr marL="2286000" algn="l" defTabSz="914400" rtl="0" eaLnBrk="1" latinLnBrk="0" hangingPunct="1">
-              <a:defRPr sz="1800" kern="1200">
-                <a:solidFill>
-                  <a:schemeClr val="lt1"/>
-                </a:solidFill>
-                <a:latin typeface="+mn-lt"/>
-                <a:ea typeface="+mn-ea"/>
-                <a:cs typeface="+mn-cs"/>
-              </a:defRPr>
-            </a:lvl6pPr>
-            <a:lvl7pPr marL="2743200" algn="l" defTabSz="914400" rtl="0" eaLnBrk="1" latinLnBrk="0" hangingPunct="1">
-              <a:defRPr sz="1800" kern="1200">
-                <a:solidFill>
-                  <a:schemeClr val="lt1"/>
-                </a:solidFill>
-                <a:latin typeface="+mn-lt"/>
-                <a:ea typeface="+mn-ea"/>
-                <a:cs typeface="+mn-cs"/>
-              </a:defRPr>
-            </a:lvl7pPr>
-            <a:lvl8pPr marL="3200400" algn="l" defTabSz="914400" rtl="0" eaLnBrk="1" latinLnBrk="0" hangingPunct="1">
-              <a:defRPr sz="1800" kern="1200">
-                <a:solidFill>
-                  <a:schemeClr val="lt1"/>
-                </a:solidFill>
-                <a:latin typeface="+mn-lt"/>
-                <a:ea typeface="+mn-ea"/>
-                <a:cs typeface="+mn-cs"/>
-              </a:defRPr>
-            </a:lvl8pPr>
-            <a:lvl9pPr marL="3657600" algn="l" defTabSz="914400" rtl="0" eaLnBrk="1" latinLnBrk="0" hangingPunct="1">
-              <a:defRPr sz="1800" kern="1200">
-                <a:solidFill>
-                  <a:schemeClr val="lt1"/>
-                </a:solidFill>
-                <a:latin typeface="+mn-lt"/>
-                <a:ea typeface="+mn-ea"/>
-                <a:cs typeface="+mn-cs"/>
-              </a:defRPr>
-            </a:lvl9pPr>
-          </a:lstStyle>
-          <a:p>
-            <a:pPr algn="ctr"/>
-            <a:endParaRPr lang="en-US"/>
-          </a:p>
-        </p:txBody>
-      </p:sp>
-      <p:sp>
-        <p:nvSpPr>
-          <p:cNvPr id="20" name="Freeform 10">
-            <a:extLst>
-              <a:ext uri="{FF2B5EF4-FFF2-40B4-BE49-F238E27FC236}">
-                <a16:creationId xmlns:a16="http://schemas.microsoft.com/office/drawing/2014/main" id="{8D49CF1A-01DD-4115-A6BB-CFA8F704534E}"/>
-              </a:ext>
-              <a:ext uri="{C183D7F6-B498-43B3-948B-1728B52AA6E4}">
-                <adec:decorative xmlns:adec="http://schemas.microsoft.com/office/drawing/2017/decorative" val="1"/>
-              </a:ext>
-            </a:extLst>
-          </p:cNvPr>
-          <p:cNvSpPr>
-            <a:spLocks noGrp="1" noRot="1" noChangeAspect="1" noMove="1" noResize="1" noEditPoints="1" noAdjustHandles="1" noChangeArrowheads="1" noChangeShapeType="1" noTextEdit="1"/>
-          </p:cNvSpPr>
-          <p:nvPr>
-            <p:extLst>
-              <p:ext uri="{386F3935-93C4-4BCD-93E2-E3B085C9AB24}">
-                <p16:designElem xmlns:p16="http://schemas.microsoft.com/office/powerpoint/2015/main" val="1"/>
-              </p:ext>
-            </p:extLst>
-          </p:nvPr>
-        </p:nvSpPr>
-        <p:spPr bwMode="ltGray">
-          <a:xfrm>
-            <a:off x="0" y="0"/>
-            <a:ext cx="7569200" cy="6858000"/>
-          </a:xfrm>
-          <a:custGeom>
-            <a:avLst/>
-            <a:gdLst>
-              <a:gd name="connsiteX0" fmla="*/ 0 w 7569200"/>
-              <a:gd name="connsiteY0" fmla="*/ 0 h 6858000"/>
-              <a:gd name="connsiteX1" fmla="*/ 7389812 w 7569200"/>
-              <a:gd name="connsiteY1" fmla="*/ 0 h 6858000"/>
-              <a:gd name="connsiteX2" fmla="*/ 7394575 w 7569200"/>
-              <a:gd name="connsiteY2" fmla="*/ 66675 h 6858000"/>
-              <a:gd name="connsiteX3" fmla="*/ 7402512 w 7569200"/>
-              <a:gd name="connsiteY3" fmla="*/ 122237 h 6858000"/>
-              <a:gd name="connsiteX4" fmla="*/ 7412037 w 7569200"/>
-              <a:gd name="connsiteY4" fmla="*/ 174625 h 6858000"/>
-              <a:gd name="connsiteX5" fmla="*/ 7427912 w 7569200"/>
-              <a:gd name="connsiteY5" fmla="*/ 217487 h 6858000"/>
-              <a:gd name="connsiteX6" fmla="*/ 7443787 w 7569200"/>
-              <a:gd name="connsiteY6" fmla="*/ 260350 h 6858000"/>
-              <a:gd name="connsiteX7" fmla="*/ 7462837 w 7569200"/>
-              <a:gd name="connsiteY7" fmla="*/ 296862 h 6858000"/>
-              <a:gd name="connsiteX8" fmla="*/ 7481887 w 7569200"/>
-              <a:gd name="connsiteY8" fmla="*/ 334962 h 6858000"/>
-              <a:gd name="connsiteX9" fmla="*/ 7499350 w 7569200"/>
-              <a:gd name="connsiteY9" fmla="*/ 369887 h 6858000"/>
-              <a:gd name="connsiteX10" fmla="*/ 7516812 w 7569200"/>
-              <a:gd name="connsiteY10" fmla="*/ 409575 h 6858000"/>
-              <a:gd name="connsiteX11" fmla="*/ 7532687 w 7569200"/>
-              <a:gd name="connsiteY11" fmla="*/ 450850 h 6858000"/>
-              <a:gd name="connsiteX12" fmla="*/ 7546975 w 7569200"/>
-              <a:gd name="connsiteY12" fmla="*/ 496887 h 6858000"/>
-              <a:gd name="connsiteX13" fmla="*/ 7558087 w 7569200"/>
-              <a:gd name="connsiteY13" fmla="*/ 546100 h 6858000"/>
-              <a:gd name="connsiteX14" fmla="*/ 7566025 w 7569200"/>
-              <a:gd name="connsiteY14" fmla="*/ 606425 h 6858000"/>
-              <a:gd name="connsiteX15" fmla="*/ 7569200 w 7569200"/>
-              <a:gd name="connsiteY15" fmla="*/ 673100 h 6858000"/>
-              <a:gd name="connsiteX16" fmla="*/ 7566025 w 7569200"/>
-              <a:gd name="connsiteY16" fmla="*/ 744537 h 6858000"/>
-              <a:gd name="connsiteX17" fmla="*/ 7558087 w 7569200"/>
-              <a:gd name="connsiteY17" fmla="*/ 801687 h 6858000"/>
-              <a:gd name="connsiteX18" fmla="*/ 7546975 w 7569200"/>
-              <a:gd name="connsiteY18" fmla="*/ 854075 h 6858000"/>
-              <a:gd name="connsiteX19" fmla="*/ 7532687 w 7569200"/>
-              <a:gd name="connsiteY19" fmla="*/ 901700 h 6858000"/>
-              <a:gd name="connsiteX20" fmla="*/ 7516812 w 7569200"/>
-              <a:gd name="connsiteY20" fmla="*/ 942975 h 6858000"/>
-              <a:gd name="connsiteX21" fmla="*/ 7497762 w 7569200"/>
-              <a:gd name="connsiteY21" fmla="*/ 981075 h 6858000"/>
-              <a:gd name="connsiteX22" fmla="*/ 7478712 w 7569200"/>
-              <a:gd name="connsiteY22" fmla="*/ 1017587 h 6858000"/>
-              <a:gd name="connsiteX23" fmla="*/ 7459662 w 7569200"/>
-              <a:gd name="connsiteY23" fmla="*/ 1055687 h 6858000"/>
-              <a:gd name="connsiteX24" fmla="*/ 7442200 w 7569200"/>
-              <a:gd name="connsiteY24" fmla="*/ 1095375 h 6858000"/>
-              <a:gd name="connsiteX25" fmla="*/ 7424737 w 7569200"/>
-              <a:gd name="connsiteY25" fmla="*/ 1136650 h 6858000"/>
-              <a:gd name="connsiteX26" fmla="*/ 7410450 w 7569200"/>
-              <a:gd name="connsiteY26" fmla="*/ 1182687 h 6858000"/>
-              <a:gd name="connsiteX27" fmla="*/ 7400925 w 7569200"/>
-              <a:gd name="connsiteY27" fmla="*/ 1235075 h 6858000"/>
-              <a:gd name="connsiteX28" fmla="*/ 7391400 w 7569200"/>
-              <a:gd name="connsiteY28" fmla="*/ 1295400 h 6858000"/>
-              <a:gd name="connsiteX29" fmla="*/ 7389812 w 7569200"/>
-              <a:gd name="connsiteY29" fmla="*/ 1363662 h 6858000"/>
-              <a:gd name="connsiteX30" fmla="*/ 7391400 w 7569200"/>
-              <a:gd name="connsiteY30" fmla="*/ 1431925 h 6858000"/>
-              <a:gd name="connsiteX31" fmla="*/ 7400925 w 7569200"/>
-              <a:gd name="connsiteY31" fmla="*/ 1492250 h 6858000"/>
-              <a:gd name="connsiteX32" fmla="*/ 7410450 w 7569200"/>
-              <a:gd name="connsiteY32" fmla="*/ 1544637 h 6858000"/>
-              <a:gd name="connsiteX33" fmla="*/ 7424737 w 7569200"/>
-              <a:gd name="connsiteY33" fmla="*/ 1589087 h 6858000"/>
-              <a:gd name="connsiteX34" fmla="*/ 7442200 w 7569200"/>
-              <a:gd name="connsiteY34" fmla="*/ 1631950 h 6858000"/>
-              <a:gd name="connsiteX35" fmla="*/ 7459662 w 7569200"/>
-              <a:gd name="connsiteY35" fmla="*/ 1671637 h 6858000"/>
-              <a:gd name="connsiteX36" fmla="*/ 7478712 w 7569200"/>
-              <a:gd name="connsiteY36" fmla="*/ 1708150 h 6858000"/>
-              <a:gd name="connsiteX37" fmla="*/ 7497762 w 7569200"/>
-              <a:gd name="connsiteY37" fmla="*/ 1743075 h 6858000"/>
-              <a:gd name="connsiteX38" fmla="*/ 7516812 w 7569200"/>
-              <a:gd name="connsiteY38" fmla="*/ 1782762 h 6858000"/>
-              <a:gd name="connsiteX39" fmla="*/ 7532687 w 7569200"/>
-              <a:gd name="connsiteY39" fmla="*/ 1824037 h 6858000"/>
-              <a:gd name="connsiteX40" fmla="*/ 7546975 w 7569200"/>
-              <a:gd name="connsiteY40" fmla="*/ 1870075 h 6858000"/>
-              <a:gd name="connsiteX41" fmla="*/ 7558087 w 7569200"/>
-              <a:gd name="connsiteY41" fmla="*/ 1922462 h 6858000"/>
-              <a:gd name="connsiteX42" fmla="*/ 7566025 w 7569200"/>
-              <a:gd name="connsiteY42" fmla="*/ 1982787 h 6858000"/>
-              <a:gd name="connsiteX43" fmla="*/ 7569200 w 7569200"/>
-              <a:gd name="connsiteY43" fmla="*/ 2051050 h 6858000"/>
-              <a:gd name="connsiteX44" fmla="*/ 7566025 w 7569200"/>
-              <a:gd name="connsiteY44" fmla="*/ 2119312 h 6858000"/>
-              <a:gd name="connsiteX45" fmla="*/ 7558087 w 7569200"/>
-              <a:gd name="connsiteY45" fmla="*/ 2179637 h 6858000"/>
-              <a:gd name="connsiteX46" fmla="*/ 7546975 w 7569200"/>
-              <a:gd name="connsiteY46" fmla="*/ 2232025 h 6858000"/>
-              <a:gd name="connsiteX47" fmla="*/ 7532687 w 7569200"/>
-              <a:gd name="connsiteY47" fmla="*/ 2278062 h 6858000"/>
-              <a:gd name="connsiteX48" fmla="*/ 7516812 w 7569200"/>
-              <a:gd name="connsiteY48" fmla="*/ 2319337 h 6858000"/>
-              <a:gd name="connsiteX49" fmla="*/ 7497762 w 7569200"/>
-              <a:gd name="connsiteY49" fmla="*/ 2359025 h 6858000"/>
-              <a:gd name="connsiteX50" fmla="*/ 7478712 w 7569200"/>
-              <a:gd name="connsiteY50" fmla="*/ 2395537 h 6858000"/>
-              <a:gd name="connsiteX51" fmla="*/ 7459662 w 7569200"/>
-              <a:gd name="connsiteY51" fmla="*/ 2433637 h 6858000"/>
-              <a:gd name="connsiteX52" fmla="*/ 7442200 w 7569200"/>
-              <a:gd name="connsiteY52" fmla="*/ 2471737 h 6858000"/>
-              <a:gd name="connsiteX53" fmla="*/ 7424737 w 7569200"/>
-              <a:gd name="connsiteY53" fmla="*/ 2513012 h 6858000"/>
-              <a:gd name="connsiteX54" fmla="*/ 7410450 w 7569200"/>
-              <a:gd name="connsiteY54" fmla="*/ 2560637 h 6858000"/>
-              <a:gd name="connsiteX55" fmla="*/ 7400925 w 7569200"/>
-              <a:gd name="connsiteY55" fmla="*/ 2613025 h 6858000"/>
-              <a:gd name="connsiteX56" fmla="*/ 7391400 w 7569200"/>
-              <a:gd name="connsiteY56" fmla="*/ 2671762 h 6858000"/>
-              <a:gd name="connsiteX57" fmla="*/ 7389812 w 7569200"/>
-              <a:gd name="connsiteY57" fmla="*/ 2741612 h 6858000"/>
-              <a:gd name="connsiteX58" fmla="*/ 7391400 w 7569200"/>
-              <a:gd name="connsiteY58" fmla="*/ 2809875 h 6858000"/>
-              <a:gd name="connsiteX59" fmla="*/ 7400925 w 7569200"/>
-              <a:gd name="connsiteY59" fmla="*/ 2868612 h 6858000"/>
-              <a:gd name="connsiteX60" fmla="*/ 7410450 w 7569200"/>
-              <a:gd name="connsiteY60" fmla="*/ 2922587 h 6858000"/>
-              <a:gd name="connsiteX61" fmla="*/ 7424737 w 7569200"/>
-              <a:gd name="connsiteY61" fmla="*/ 2967037 h 6858000"/>
-              <a:gd name="connsiteX62" fmla="*/ 7442200 w 7569200"/>
-              <a:gd name="connsiteY62" fmla="*/ 3009900 h 6858000"/>
-              <a:gd name="connsiteX63" fmla="*/ 7459662 w 7569200"/>
-              <a:gd name="connsiteY63" fmla="*/ 3046412 h 6858000"/>
-              <a:gd name="connsiteX64" fmla="*/ 7478712 w 7569200"/>
-              <a:gd name="connsiteY64" fmla="*/ 3084512 h 6858000"/>
-              <a:gd name="connsiteX65" fmla="*/ 7497762 w 7569200"/>
-              <a:gd name="connsiteY65" fmla="*/ 3121025 h 6858000"/>
-              <a:gd name="connsiteX66" fmla="*/ 7516812 w 7569200"/>
-              <a:gd name="connsiteY66" fmla="*/ 3160712 h 6858000"/>
-              <a:gd name="connsiteX67" fmla="*/ 7532687 w 7569200"/>
-              <a:gd name="connsiteY67" fmla="*/ 3201987 h 6858000"/>
-              <a:gd name="connsiteX68" fmla="*/ 7546975 w 7569200"/>
-              <a:gd name="connsiteY68" fmla="*/ 3248025 h 6858000"/>
-              <a:gd name="connsiteX69" fmla="*/ 7558087 w 7569200"/>
-              <a:gd name="connsiteY69" fmla="*/ 3300412 h 6858000"/>
-              <a:gd name="connsiteX70" fmla="*/ 7566025 w 7569200"/>
-              <a:gd name="connsiteY70" fmla="*/ 3360737 h 6858000"/>
-              <a:gd name="connsiteX71" fmla="*/ 7569200 w 7569200"/>
-              <a:gd name="connsiteY71" fmla="*/ 3427412 h 6858000"/>
-              <a:gd name="connsiteX72" fmla="*/ 7566025 w 7569200"/>
-              <a:gd name="connsiteY72" fmla="*/ 3497262 h 6858000"/>
-              <a:gd name="connsiteX73" fmla="*/ 7558087 w 7569200"/>
-              <a:gd name="connsiteY73" fmla="*/ 3557587 h 6858000"/>
-              <a:gd name="connsiteX74" fmla="*/ 7546975 w 7569200"/>
-              <a:gd name="connsiteY74" fmla="*/ 3609975 h 6858000"/>
-              <a:gd name="connsiteX75" fmla="*/ 7532687 w 7569200"/>
-              <a:gd name="connsiteY75" fmla="*/ 3656012 h 6858000"/>
-              <a:gd name="connsiteX76" fmla="*/ 7516812 w 7569200"/>
-              <a:gd name="connsiteY76" fmla="*/ 3697287 h 6858000"/>
-              <a:gd name="connsiteX77" fmla="*/ 7497762 w 7569200"/>
-              <a:gd name="connsiteY77" fmla="*/ 3736975 h 6858000"/>
-              <a:gd name="connsiteX78" fmla="*/ 7459662 w 7569200"/>
-              <a:gd name="connsiteY78" fmla="*/ 3811587 h 6858000"/>
-              <a:gd name="connsiteX79" fmla="*/ 7442200 w 7569200"/>
-              <a:gd name="connsiteY79" fmla="*/ 3848100 h 6858000"/>
-              <a:gd name="connsiteX80" fmla="*/ 7424737 w 7569200"/>
-              <a:gd name="connsiteY80" fmla="*/ 3890962 h 6858000"/>
-              <a:gd name="connsiteX81" fmla="*/ 7410450 w 7569200"/>
-              <a:gd name="connsiteY81" fmla="*/ 3935412 h 6858000"/>
-              <a:gd name="connsiteX82" fmla="*/ 7400925 w 7569200"/>
-              <a:gd name="connsiteY82" fmla="*/ 3987800 h 6858000"/>
-              <a:gd name="connsiteX83" fmla="*/ 7391400 w 7569200"/>
-              <a:gd name="connsiteY83" fmla="*/ 4048125 h 6858000"/>
-              <a:gd name="connsiteX84" fmla="*/ 7389812 w 7569200"/>
-              <a:gd name="connsiteY84" fmla="*/ 4116387 h 6858000"/>
-              <a:gd name="connsiteX85" fmla="*/ 7391400 w 7569200"/>
-              <a:gd name="connsiteY85" fmla="*/ 4186237 h 6858000"/>
-              <a:gd name="connsiteX86" fmla="*/ 7400925 w 7569200"/>
-              <a:gd name="connsiteY86" fmla="*/ 4244975 h 6858000"/>
-              <a:gd name="connsiteX87" fmla="*/ 7410450 w 7569200"/>
-              <a:gd name="connsiteY87" fmla="*/ 4297362 h 6858000"/>
-              <a:gd name="connsiteX88" fmla="*/ 7424737 w 7569200"/>
-              <a:gd name="connsiteY88" fmla="*/ 4343400 h 6858000"/>
-              <a:gd name="connsiteX89" fmla="*/ 7442200 w 7569200"/>
-              <a:gd name="connsiteY89" fmla="*/ 4386262 h 6858000"/>
-              <a:gd name="connsiteX90" fmla="*/ 7459662 w 7569200"/>
-              <a:gd name="connsiteY90" fmla="*/ 4424362 h 6858000"/>
-              <a:gd name="connsiteX91" fmla="*/ 7497762 w 7569200"/>
-              <a:gd name="connsiteY91" fmla="*/ 4498975 h 6858000"/>
-              <a:gd name="connsiteX92" fmla="*/ 7516812 w 7569200"/>
-              <a:gd name="connsiteY92" fmla="*/ 4537075 h 6858000"/>
-              <a:gd name="connsiteX93" fmla="*/ 7532687 w 7569200"/>
-              <a:gd name="connsiteY93" fmla="*/ 4579937 h 6858000"/>
-              <a:gd name="connsiteX94" fmla="*/ 7546975 w 7569200"/>
-              <a:gd name="connsiteY94" fmla="*/ 4625975 h 6858000"/>
-              <a:gd name="connsiteX95" fmla="*/ 7558087 w 7569200"/>
-              <a:gd name="connsiteY95" fmla="*/ 4678362 h 6858000"/>
-              <a:gd name="connsiteX96" fmla="*/ 7566025 w 7569200"/>
-              <a:gd name="connsiteY96" fmla="*/ 4738687 h 6858000"/>
-              <a:gd name="connsiteX97" fmla="*/ 7569200 w 7569200"/>
-              <a:gd name="connsiteY97" fmla="*/ 4806950 h 6858000"/>
-              <a:gd name="connsiteX98" fmla="*/ 7566025 w 7569200"/>
-              <a:gd name="connsiteY98" fmla="*/ 4875212 h 6858000"/>
-              <a:gd name="connsiteX99" fmla="*/ 7558087 w 7569200"/>
-              <a:gd name="connsiteY99" fmla="*/ 4935537 h 6858000"/>
-              <a:gd name="connsiteX100" fmla="*/ 7546975 w 7569200"/>
-              <a:gd name="connsiteY100" fmla="*/ 4987925 h 6858000"/>
-              <a:gd name="connsiteX101" fmla="*/ 7532687 w 7569200"/>
-              <a:gd name="connsiteY101" fmla="*/ 5033962 h 6858000"/>
-              <a:gd name="connsiteX102" fmla="*/ 7516812 w 7569200"/>
-              <a:gd name="connsiteY102" fmla="*/ 5075237 h 6858000"/>
-              <a:gd name="connsiteX103" fmla="*/ 7497762 w 7569200"/>
-              <a:gd name="connsiteY103" fmla="*/ 5114925 h 6858000"/>
-              <a:gd name="connsiteX104" fmla="*/ 7478712 w 7569200"/>
-              <a:gd name="connsiteY104" fmla="*/ 5149850 h 6858000"/>
-              <a:gd name="connsiteX105" fmla="*/ 7459662 w 7569200"/>
-              <a:gd name="connsiteY105" fmla="*/ 5186362 h 6858000"/>
-              <a:gd name="connsiteX106" fmla="*/ 7442200 w 7569200"/>
-              <a:gd name="connsiteY106" fmla="*/ 5226050 h 6858000"/>
-              <a:gd name="connsiteX107" fmla="*/ 7424737 w 7569200"/>
-              <a:gd name="connsiteY107" fmla="*/ 5268912 h 6858000"/>
-              <a:gd name="connsiteX108" fmla="*/ 7410450 w 7569200"/>
-              <a:gd name="connsiteY108" fmla="*/ 5313362 h 6858000"/>
-              <a:gd name="connsiteX109" fmla="*/ 7400925 w 7569200"/>
-              <a:gd name="connsiteY109" fmla="*/ 5365750 h 6858000"/>
-              <a:gd name="connsiteX110" fmla="*/ 7391400 w 7569200"/>
-              <a:gd name="connsiteY110" fmla="*/ 5426075 h 6858000"/>
-              <a:gd name="connsiteX111" fmla="*/ 7389812 w 7569200"/>
-              <a:gd name="connsiteY111" fmla="*/ 5494337 h 6858000"/>
-              <a:gd name="connsiteX112" fmla="*/ 7391400 w 7569200"/>
-              <a:gd name="connsiteY112" fmla="*/ 5562600 h 6858000"/>
-              <a:gd name="connsiteX113" fmla="*/ 7400925 w 7569200"/>
-              <a:gd name="connsiteY113" fmla="*/ 5622925 h 6858000"/>
-              <a:gd name="connsiteX114" fmla="*/ 7410450 w 7569200"/>
-              <a:gd name="connsiteY114" fmla="*/ 5675312 h 6858000"/>
-              <a:gd name="connsiteX115" fmla="*/ 7424737 w 7569200"/>
-              <a:gd name="connsiteY115" fmla="*/ 5721350 h 6858000"/>
-              <a:gd name="connsiteX116" fmla="*/ 7442200 w 7569200"/>
-              <a:gd name="connsiteY116" fmla="*/ 5762625 h 6858000"/>
-              <a:gd name="connsiteX117" fmla="*/ 7459662 w 7569200"/>
-              <a:gd name="connsiteY117" fmla="*/ 5802312 h 6858000"/>
-              <a:gd name="connsiteX118" fmla="*/ 7478712 w 7569200"/>
-              <a:gd name="connsiteY118" fmla="*/ 5840412 h 6858000"/>
-              <a:gd name="connsiteX119" fmla="*/ 7497762 w 7569200"/>
-              <a:gd name="connsiteY119" fmla="*/ 5876925 h 6858000"/>
-              <a:gd name="connsiteX120" fmla="*/ 7516812 w 7569200"/>
-              <a:gd name="connsiteY120" fmla="*/ 5915025 h 6858000"/>
-              <a:gd name="connsiteX121" fmla="*/ 7532687 w 7569200"/>
-              <a:gd name="connsiteY121" fmla="*/ 5956300 h 6858000"/>
-              <a:gd name="connsiteX122" fmla="*/ 7546975 w 7569200"/>
-              <a:gd name="connsiteY122" fmla="*/ 6003925 h 6858000"/>
-              <a:gd name="connsiteX123" fmla="*/ 7558087 w 7569200"/>
-              <a:gd name="connsiteY123" fmla="*/ 6056312 h 6858000"/>
-              <a:gd name="connsiteX124" fmla="*/ 7566025 w 7569200"/>
-              <a:gd name="connsiteY124" fmla="*/ 6113462 h 6858000"/>
-              <a:gd name="connsiteX125" fmla="*/ 7569200 w 7569200"/>
-              <a:gd name="connsiteY125" fmla="*/ 6183312 h 6858000"/>
-              <a:gd name="connsiteX126" fmla="*/ 7566025 w 7569200"/>
-              <a:gd name="connsiteY126" fmla="*/ 6251575 h 6858000"/>
-              <a:gd name="connsiteX127" fmla="*/ 7558087 w 7569200"/>
-              <a:gd name="connsiteY127" fmla="*/ 6311900 h 6858000"/>
-              <a:gd name="connsiteX128" fmla="*/ 7546975 w 7569200"/>
-              <a:gd name="connsiteY128" fmla="*/ 6361112 h 6858000"/>
-              <a:gd name="connsiteX129" fmla="*/ 7532687 w 7569200"/>
-              <a:gd name="connsiteY129" fmla="*/ 6407150 h 6858000"/>
-              <a:gd name="connsiteX130" fmla="*/ 7516812 w 7569200"/>
-              <a:gd name="connsiteY130" fmla="*/ 6448425 h 6858000"/>
-              <a:gd name="connsiteX131" fmla="*/ 7499350 w 7569200"/>
-              <a:gd name="connsiteY131" fmla="*/ 6488112 h 6858000"/>
-              <a:gd name="connsiteX132" fmla="*/ 7481887 w 7569200"/>
-              <a:gd name="connsiteY132" fmla="*/ 6523037 h 6858000"/>
-              <a:gd name="connsiteX133" fmla="*/ 7462837 w 7569200"/>
-              <a:gd name="connsiteY133" fmla="*/ 6561137 h 6858000"/>
-              <a:gd name="connsiteX134" fmla="*/ 7443787 w 7569200"/>
-              <a:gd name="connsiteY134" fmla="*/ 6597650 h 6858000"/>
-              <a:gd name="connsiteX135" fmla="*/ 7427912 w 7569200"/>
-              <a:gd name="connsiteY135" fmla="*/ 6640512 h 6858000"/>
-              <a:gd name="connsiteX136" fmla="*/ 7412037 w 7569200"/>
-              <a:gd name="connsiteY136" fmla="*/ 6683375 h 6858000"/>
-              <a:gd name="connsiteX137" fmla="*/ 7402512 w 7569200"/>
-              <a:gd name="connsiteY137" fmla="*/ 6735762 h 6858000"/>
-              <a:gd name="connsiteX138" fmla="*/ 7394575 w 7569200"/>
-              <a:gd name="connsiteY138" fmla="*/ 6791325 h 6858000"/>
-              <a:gd name="connsiteX139" fmla="*/ 7389812 w 7569200"/>
-              <a:gd name="connsiteY139" fmla="*/ 6858000 h 6858000"/>
-              <a:gd name="connsiteX140" fmla="*/ 0 w 7569200"/>
-              <a:gd name="connsiteY140" fmla="*/ 6858000 h 6858000"/>
-              <a:gd name="connsiteX141" fmla="*/ 0 w 7569200"/>
-              <a:gd name="connsiteY141" fmla="*/ 0 h 6858000"/>
-            </a:gdLst>
-            <a:ahLst/>
-            <a:cxnLst>
-              <a:cxn ang="0">
-                <a:pos x="connsiteX0" y="connsiteY0"/>
-              </a:cxn>
-              <a:cxn ang="0">
-                <a:pos x="connsiteX1" y="connsiteY1"/>
-              </a:cxn>
-              <a:cxn ang="0">
-                <a:pos x="connsiteX2" y="connsiteY2"/>
-              </a:cxn>
-              <a:cxn ang="0">
-                <a:pos x="connsiteX3" y="connsiteY3"/>
-              </a:cxn>
-              <a:cxn ang="0">
-                <a:pos x="connsiteX4" y="connsiteY4"/>
-              </a:cxn>
-              <a:cxn ang="0">
-                <a:pos x="connsiteX5" y="connsiteY5"/>
-              </a:cxn>
-              <a:cxn ang="0">
-                <a:pos x="connsiteX6" y="connsiteY6"/>
-              </a:cxn>
-              <a:cxn ang="0">
-                <a:pos x="connsiteX7" y="connsiteY7"/>
-              </a:cxn>
-              <a:cxn ang="0">
-                <a:pos x="connsiteX8" y="connsiteY8"/>
-              </a:cxn>
-              <a:cxn ang="0">
-                <a:pos x="connsiteX9" y="connsiteY9"/>
-              </a:cxn>
-              <a:cxn ang="0">
-                <a:pos x="connsiteX10" y="connsiteY10"/>
-              </a:cxn>
-              <a:cxn ang="0">
-                <a:pos x="connsiteX11" y="connsiteY11"/>
-              </a:cxn>
-              <a:cxn ang="0">
-                <a:pos x="connsiteX12" y="connsiteY12"/>
-              </a:cxn>
-              <a:cxn ang="0">
-                <a:pos x="connsiteX13" y="connsiteY13"/>
-              </a:cxn>
-              <a:cxn ang="0">
-                <a:pos x="connsiteX14" y="connsiteY14"/>
-              </a:cxn>
-              <a:cxn ang="0">
-                <a:pos x="connsiteX15" y="connsiteY15"/>
-              </a:cxn>
-              <a:cxn ang="0">
-                <a:pos x="connsiteX16" y="connsiteY16"/>
-              </a:cxn>
-              <a:cxn ang="0">
-                <a:pos x="connsiteX17" y="connsiteY17"/>
-              </a:cxn>
-              <a:cxn ang="0">
-                <a:pos x="connsiteX18" y="connsiteY18"/>
-              </a:cxn>
-              <a:cxn ang="0">
-                <a:pos x="connsiteX19" y="connsiteY19"/>
-              </a:cxn>
-              <a:cxn ang="0">
-                <a:pos x="connsiteX20" y="connsiteY20"/>
-              </a:cxn>
-              <a:cxn ang="0">
-                <a:pos x="connsiteX21" y="connsiteY21"/>
-              </a:cxn>
-              <a:cxn ang="0">
-                <a:pos x="connsiteX22" y="connsiteY22"/>
-              </a:cxn>
-              <a:cxn ang="0">
-                <a:pos x="connsiteX23" y="connsiteY23"/>
-              </a:cxn>
-              <a:cxn ang="0">
-                <a:pos x="connsiteX24" y="connsiteY24"/>
-              </a:cxn>
-              <a:cxn ang="0">
-                <a:pos x="connsiteX25" y="connsiteY25"/>
-              </a:cxn>
-              <a:cxn ang="0">
-                <a:pos x="connsiteX26" y="connsiteY26"/>
-              </a:cxn>
-              <a:cxn ang="0">
-                <a:pos x="connsiteX27" y="connsiteY27"/>
-              </a:cxn>
-              <a:cxn ang="0">
-                <a:pos x="connsiteX28" y="connsiteY28"/>
-              </a:cxn>
-              <a:cxn ang="0">
-                <a:pos x="connsiteX29" y="connsiteY29"/>
-              </a:cxn>
-              <a:cxn ang="0">
-                <a:pos x="connsiteX30" y="connsiteY30"/>
-              </a:cxn>
-              <a:cxn ang="0">
-                <a:pos x="connsiteX31" y="connsiteY31"/>
-              </a:cxn>
-              <a:cxn ang="0">
-                <a:pos x="connsiteX32" y="connsiteY32"/>
-              </a:cxn>
-              <a:cxn ang="0">
-                <a:pos x="connsiteX33" y="connsiteY33"/>
-              </a:cxn>
-              <a:cxn ang="0">
-                <a:pos x="connsiteX34" y="connsiteY34"/>
-              </a:cxn>
-              <a:cxn ang="0">
-                <a:pos x="connsiteX35" y="connsiteY35"/>
-              </a:cxn>
-              <a:cxn ang="0">
-                <a:pos x="connsiteX36" y="connsiteY36"/>
-              </a:cxn>
-              <a:cxn ang="0">
-                <a:pos x="connsiteX37" y="connsiteY37"/>
-              </a:cxn>
-              <a:cxn ang="0">
-                <a:pos x="connsiteX38" y="connsiteY38"/>
-              </a:cxn>
-              <a:cxn ang="0">
-                <a:pos x="connsiteX39" y="connsiteY39"/>
-              </a:cxn>
-              <a:cxn ang="0">
-                <a:pos x="connsiteX40" y="connsiteY40"/>
-              </a:cxn>
-              <a:cxn ang="0">
-                <a:pos x="connsiteX41" y="connsiteY41"/>
-              </a:cxn>
-              <a:cxn ang="0">
-                <a:pos x="connsiteX42" y="connsiteY42"/>
-              </a:cxn>
-              <a:cxn ang="0">
-                <a:pos x="connsiteX43" y="connsiteY43"/>
-              </a:cxn>
-              <a:cxn ang="0">
-                <a:pos x="connsiteX44" y="connsiteY44"/>
-              </a:cxn>
-              <a:cxn ang="0">
-                <a:pos x="connsiteX45" y="connsiteY45"/>
-              </a:cxn>
-              <a:cxn ang="0">
-                <a:pos x="connsiteX46" y="connsiteY46"/>
-              </a:cxn>
-              <a:cxn ang="0">
-                <a:pos x="connsiteX47" y="connsiteY47"/>
-              </a:cxn>
-              <a:cxn ang="0">
-                <a:pos x="connsiteX48" y="connsiteY48"/>
-              </a:cxn>
-              <a:cxn ang="0">
-                <a:pos x="connsiteX49" y="connsiteY49"/>
-              </a:cxn>
-              <a:cxn ang="0">
-                <a:pos x="connsiteX50" y="connsiteY50"/>
-              </a:cxn>
-              <a:cxn ang="0">
-                <a:pos x="connsiteX51" y="connsiteY51"/>
-              </a:cxn>
-              <a:cxn ang="0">
-                <a:pos x="connsiteX52" y="connsiteY52"/>
-              </a:cxn>
-              <a:cxn ang="0">
-                <a:pos x="connsiteX53" y="connsiteY53"/>
-              </a:cxn>
-              <a:cxn ang="0">
-                <a:pos x="connsiteX54" y="connsiteY54"/>
-              </a:cxn>
-              <a:cxn ang="0">
-                <a:pos x="connsiteX55" y="connsiteY55"/>
-              </a:cxn>
-              <a:cxn ang="0">
-                <a:pos x="connsiteX56" y="connsiteY56"/>
-              </a:cxn>
-              <a:cxn ang="0">
-                <a:pos x="connsiteX57" y="connsiteY57"/>
-              </a:cxn>
-              <a:cxn ang="0">
-                <a:pos x="connsiteX58" y="connsiteY58"/>
-              </a:cxn>
-              <a:cxn ang="0">
-                <a:pos x="connsiteX59" y="connsiteY59"/>
-              </a:cxn>
-              <a:cxn ang="0">
-                <a:pos x="connsiteX60" y="connsiteY60"/>
-              </a:cxn>
-              <a:cxn ang="0">
-                <a:pos x="connsiteX61" y="connsiteY61"/>
-              </a:cxn>
-              <a:cxn ang="0">
-                <a:pos x="connsiteX62" y="connsiteY62"/>
-              </a:cxn>
-              <a:cxn ang="0">
-                <a:pos x="connsiteX63" y="connsiteY63"/>
-              </a:cxn>
-              <a:cxn ang="0">
-                <a:pos x="connsiteX64" y="connsiteY64"/>
-              </a:cxn>
-              <a:cxn ang="0">
-                <a:pos x="connsiteX65" y="connsiteY65"/>
-              </a:cxn>
-              <a:cxn ang="0">
-                <a:pos x="connsiteX66" y="connsiteY66"/>
-              </a:cxn>
-              <a:cxn ang="0">
-                <a:pos x="connsiteX67" y="connsiteY67"/>
-              </a:cxn>
-              <a:cxn ang="0">
-                <a:pos x="connsiteX68" y="connsiteY68"/>
-              </a:cxn>
-              <a:cxn ang="0">
-                <a:pos x="connsiteX69" y="connsiteY69"/>
-              </a:cxn>
-              <a:cxn ang="0">
-                <a:pos x="connsiteX70" y="connsiteY70"/>
-              </a:cxn>
-              <a:cxn ang="0">
-                <a:pos x="connsiteX71" y="connsiteY71"/>
-              </a:cxn>
-              <a:cxn ang="0">
-                <a:pos x="connsiteX72" y="connsiteY72"/>
-              </a:cxn>
-              <a:cxn ang="0">
-                <a:pos x="connsiteX73" y="connsiteY73"/>
-              </a:cxn>
-              <a:cxn ang="0">
-                <a:pos x="connsiteX74" y="connsiteY74"/>
-              </a:cxn>
-              <a:cxn ang="0">
-                <a:pos x="connsiteX75" y="connsiteY75"/>
-              </a:cxn>
-              <a:cxn ang="0">
-                <a:pos x="connsiteX76" y="connsiteY76"/>
-              </a:cxn>
-              <a:cxn ang="0">
-                <a:pos x="connsiteX77" y="connsiteY77"/>
-              </a:cxn>
-              <a:cxn ang="0">
-                <a:pos x="connsiteX78" y="connsiteY78"/>
-              </a:cxn>
-              <a:cxn ang="0">
-                <a:pos x="connsiteX79" y="connsiteY79"/>
-              </a:cxn>
-              <a:cxn ang="0">
-                <a:pos x="connsiteX80" y="connsiteY80"/>
-              </a:cxn>
-              <a:cxn ang="0">
-                <a:pos x="connsiteX81" y="connsiteY81"/>
-              </a:cxn>
-              <a:cxn ang="0">
-                <a:pos x="connsiteX82" y="connsiteY82"/>
-              </a:cxn>
-              <a:cxn ang="0">
-                <a:pos x="connsiteX83" y="connsiteY83"/>
-              </a:cxn>
-              <a:cxn ang="0">
-                <a:pos x="connsiteX84" y="connsiteY84"/>
-              </a:cxn>
-              <a:cxn ang="0">
-                <a:pos x="connsiteX85" y="connsiteY85"/>
-              </a:cxn>
-              <a:cxn ang="0">
-                <a:pos x="connsiteX86" y="connsiteY86"/>
-              </a:cxn>
-              <a:cxn ang="0">
-                <a:pos x="connsiteX87" y="connsiteY87"/>
-              </a:cxn>
-              <a:cxn ang="0">
-                <a:pos x="connsiteX88" y="connsiteY88"/>
-              </a:cxn>
-              <a:cxn ang="0">
-                <a:pos x="connsiteX89" y="connsiteY89"/>
-              </a:cxn>
-              <a:cxn ang="0">
-                <a:pos x="connsiteX90" y="connsiteY90"/>
-              </a:cxn>
-              <a:cxn ang="0">
-                <a:pos x="connsiteX91" y="connsiteY91"/>
-              </a:cxn>
-              <a:cxn ang="0">
-                <a:pos x="connsiteX92" y="connsiteY92"/>
-              </a:cxn>
-              <a:cxn ang="0">
-                <a:pos x="connsiteX93" y="connsiteY93"/>
-              </a:cxn>
-              <a:cxn ang="0">
-                <a:pos x="connsiteX94" y="connsiteY94"/>
-              </a:cxn>
-              <a:cxn ang="0">
-                <a:pos x="connsiteX95" y="connsiteY95"/>
-              </a:cxn>
-              <a:cxn ang="0">
-                <a:pos x="connsiteX96" y="connsiteY96"/>
-              </a:cxn>
-              <a:cxn ang="0">
-                <a:pos x="connsiteX97" y="connsiteY97"/>
-              </a:cxn>
-              <a:cxn ang="0">
-                <a:pos x="connsiteX98" y="connsiteY98"/>
-              </a:cxn>
-              <a:cxn ang="0">
-                <a:pos x="connsiteX99" y="connsiteY99"/>
-              </a:cxn>
-              <a:cxn ang="0">
-                <a:pos x="connsiteX100" y="connsiteY100"/>
-              </a:cxn>
-              <a:cxn ang="0">
-                <a:pos x="connsiteX101" y="connsiteY101"/>
-              </a:cxn>
-              <a:cxn ang="0">
-                <a:pos x="connsiteX102" y="connsiteY102"/>
-              </a:cxn>
-              <a:cxn ang="0">
-                <a:pos x="connsiteX103" y="connsiteY103"/>
-              </a:cxn>
-              <a:cxn ang="0">
-                <a:pos x="connsiteX104" y="connsiteY104"/>
-              </a:cxn>
-              <a:cxn ang="0">
-                <a:pos x="connsiteX105" y="connsiteY105"/>
-              </a:cxn>
-              <a:cxn ang="0">
-                <a:pos x="connsiteX106" y="connsiteY106"/>
-              </a:cxn>
-              <a:cxn ang="0">
-                <a:pos x="connsiteX107" y="connsiteY107"/>
-              </a:cxn>
-              <a:cxn ang="0">
-                <a:pos x="connsiteX108" y="connsiteY108"/>
-              </a:cxn>
-              <a:cxn ang="0">
-                <a:pos x="connsiteX109" y="connsiteY109"/>
-              </a:cxn>
-              <a:cxn ang="0">
-                <a:pos x="connsiteX110" y="connsiteY110"/>
-              </a:cxn>
-              <a:cxn ang="0">
-                <a:pos x="connsiteX111" y="connsiteY111"/>
-              </a:cxn>
-              <a:cxn ang="0">
-                <a:pos x="connsiteX112" y="connsiteY112"/>
-              </a:cxn>
-              <a:cxn ang="0">
-                <a:pos x="connsiteX113" y="connsiteY113"/>
-              </a:cxn>
-              <a:cxn ang="0">
-                <a:pos x="connsiteX114" y="connsiteY114"/>
-              </a:cxn>
-              <a:cxn ang="0">
-                <a:pos x="connsiteX115" y="connsiteY115"/>
-              </a:cxn>
-              <a:cxn ang="0">
-                <a:pos x="connsiteX116" y="connsiteY116"/>
-              </a:cxn>
-              <a:cxn ang="0">
-                <a:pos x="connsiteX117" y="connsiteY117"/>
-              </a:cxn>
-              <a:cxn ang="0">
-                <a:pos x="connsiteX118" y="connsiteY118"/>
-              </a:cxn>
-              <a:cxn ang="0">
-                <a:pos x="connsiteX119" y="connsiteY119"/>
-              </a:cxn>
-              <a:cxn ang="0">
-                <a:pos x="connsiteX120" y="connsiteY120"/>
-              </a:cxn>
-              <a:cxn ang="0">
-                <a:pos x="connsiteX121" y="connsiteY121"/>
-              </a:cxn>
-              <a:cxn ang="0">
-                <a:pos x="connsiteX122" y="connsiteY122"/>
-              </a:cxn>
-              <a:cxn ang="0">
-                <a:pos x="connsiteX123" y="connsiteY123"/>
-              </a:cxn>
-              <a:cxn ang="0">
-                <a:pos x="connsiteX124" y="connsiteY124"/>
-              </a:cxn>
-              <a:cxn ang="0">
-                <a:pos x="connsiteX125" y="connsiteY125"/>
-              </a:cxn>
-              <a:cxn ang="0">
-                <a:pos x="connsiteX126" y="connsiteY126"/>
-              </a:cxn>
-              <a:cxn ang="0">
-                <a:pos x="connsiteX127" y="connsiteY127"/>
-              </a:cxn>
-              <a:cxn ang="0">
-                <a:pos x="connsiteX128" y="connsiteY128"/>
-              </a:cxn>
-              <a:cxn ang="0">
-                <a:pos x="connsiteX129" y="connsiteY129"/>
-              </a:cxn>
-              <a:cxn ang="0">
-                <a:pos x="connsiteX130" y="connsiteY130"/>
-              </a:cxn>
-              <a:cxn ang="0">
-                <a:pos x="connsiteX131" y="connsiteY131"/>
-              </a:cxn>
-              <a:cxn ang="0">
-                <a:pos x="connsiteX132" y="connsiteY132"/>
-              </a:cxn>
-              <a:cxn ang="0">
-                <a:pos x="connsiteX133" y="connsiteY133"/>
-              </a:cxn>
-              <a:cxn ang="0">
-                <a:pos x="connsiteX134" y="connsiteY134"/>
-              </a:cxn>
-              <a:cxn ang="0">
-                <a:pos x="connsiteX135" y="connsiteY135"/>
-              </a:cxn>
-              <a:cxn ang="0">
-                <a:pos x="connsiteX136" y="connsiteY136"/>
-              </a:cxn>
-              <a:cxn ang="0">
-                <a:pos x="connsiteX137" y="connsiteY137"/>
-              </a:cxn>
-              <a:cxn ang="0">
-                <a:pos x="connsiteX138" y="connsiteY138"/>
-              </a:cxn>
-              <a:cxn ang="0">
-                <a:pos x="connsiteX139" y="connsiteY139"/>
-              </a:cxn>
-              <a:cxn ang="0">
-                <a:pos x="connsiteX140" y="connsiteY140"/>
-              </a:cxn>
-              <a:cxn ang="0">
-                <a:pos x="connsiteX141" y="connsiteY141"/>
-              </a:cxn>
-            </a:cxnLst>
-            <a:rect l="l" t="t" r="r" b="b"/>
-            <a:pathLst>
-              <a:path w="7569200" h="6858000">
-                <a:moveTo>
-                  <a:pt x="0" y="0"/>
-                </a:moveTo>
-                <a:lnTo>
-                  <a:pt x="7389812" y="0"/>
-                </a:lnTo>
-                <a:lnTo>
-                  <a:pt x="7394575" y="66675"/>
-                </a:lnTo>
-                <a:lnTo>
-                  <a:pt x="7402512" y="122237"/>
-                </a:lnTo>
-                <a:lnTo>
-                  <a:pt x="7412037" y="174625"/>
-                </a:lnTo>
-                <a:lnTo>
-                  <a:pt x="7427912" y="217487"/>
-                </a:lnTo>
-                <a:lnTo>
-                  <a:pt x="7443787" y="260350"/>
-                </a:lnTo>
-                <a:lnTo>
-                  <a:pt x="7462837" y="296862"/>
-                </a:lnTo>
-                <a:lnTo>
-                  <a:pt x="7481887" y="334962"/>
-                </a:lnTo>
-                <a:lnTo>
-                  <a:pt x="7499350" y="369887"/>
-                </a:lnTo>
-                <a:lnTo>
-                  <a:pt x="7516812" y="409575"/>
-                </a:lnTo>
-                <a:lnTo>
-                  <a:pt x="7532687" y="450850"/>
-                </a:lnTo>
-                <a:lnTo>
-                  <a:pt x="7546975" y="496887"/>
-                </a:lnTo>
-                <a:lnTo>
-                  <a:pt x="7558087" y="546100"/>
-                </a:lnTo>
-                <a:lnTo>
-                  <a:pt x="7566025" y="606425"/>
-                </a:lnTo>
-                <a:lnTo>
-                  <a:pt x="7569200" y="673100"/>
-                </a:lnTo>
-                <a:lnTo>
-                  <a:pt x="7566025" y="744537"/>
-                </a:lnTo>
-                <a:lnTo>
-                  <a:pt x="7558087" y="801687"/>
-                </a:lnTo>
-                <a:lnTo>
-                  <a:pt x="7546975" y="854075"/>
-                </a:lnTo>
-                <a:lnTo>
-                  <a:pt x="7532687" y="901700"/>
-                </a:lnTo>
-                <a:lnTo>
-                  <a:pt x="7516812" y="942975"/>
-                </a:lnTo>
-                <a:lnTo>
-                  <a:pt x="7497762" y="981075"/>
-                </a:lnTo>
-                <a:lnTo>
-                  <a:pt x="7478712" y="1017587"/>
-                </a:lnTo>
-                <a:lnTo>
-                  <a:pt x="7459662" y="1055687"/>
-                </a:lnTo>
-                <a:lnTo>
-                  <a:pt x="7442200" y="1095375"/>
-                </a:lnTo>
-                <a:lnTo>
-                  <a:pt x="7424737" y="1136650"/>
-                </a:lnTo>
-                <a:lnTo>
-                  <a:pt x="7410450" y="1182687"/>
-                </a:lnTo>
-                <a:lnTo>
-                  <a:pt x="7400925" y="1235075"/>
-                </a:lnTo>
-                <a:lnTo>
-                  <a:pt x="7391400" y="1295400"/>
-                </a:lnTo>
-                <a:lnTo>
-                  <a:pt x="7389812" y="1363662"/>
-                </a:lnTo>
-                <a:lnTo>
-                  <a:pt x="7391400" y="1431925"/>
-                </a:lnTo>
-                <a:lnTo>
-                  <a:pt x="7400925" y="1492250"/>
-                </a:lnTo>
-                <a:lnTo>
-                  <a:pt x="7410450" y="1544637"/>
-                </a:lnTo>
-                <a:lnTo>
-                  <a:pt x="7424737" y="1589087"/>
-                </a:lnTo>
-                <a:lnTo>
-                  <a:pt x="7442200" y="1631950"/>
-                </a:lnTo>
-                <a:lnTo>
-                  <a:pt x="7459662" y="1671637"/>
-                </a:lnTo>
-                <a:lnTo>
-                  <a:pt x="7478712" y="1708150"/>
-                </a:lnTo>
-                <a:lnTo>
-                  <a:pt x="7497762" y="1743075"/>
-                </a:lnTo>
-                <a:lnTo>
-                  <a:pt x="7516812" y="1782762"/>
-                </a:lnTo>
-                <a:lnTo>
-                  <a:pt x="7532687" y="1824037"/>
-                </a:lnTo>
-                <a:lnTo>
-                  <a:pt x="7546975" y="1870075"/>
-                </a:lnTo>
-                <a:lnTo>
-                  <a:pt x="7558087" y="1922462"/>
-                </a:lnTo>
-                <a:lnTo>
-                  <a:pt x="7566025" y="1982787"/>
-                </a:lnTo>
-                <a:lnTo>
-                  <a:pt x="7569200" y="2051050"/>
-                </a:lnTo>
-                <a:lnTo>
-                  <a:pt x="7566025" y="2119312"/>
-                </a:lnTo>
-                <a:lnTo>
-                  <a:pt x="7558087" y="2179637"/>
-                </a:lnTo>
-                <a:lnTo>
-                  <a:pt x="7546975" y="2232025"/>
-                </a:lnTo>
-                <a:lnTo>
-                  <a:pt x="7532687" y="2278062"/>
-                </a:lnTo>
-                <a:lnTo>
-                  <a:pt x="7516812" y="2319337"/>
-                </a:lnTo>
-                <a:lnTo>
-                  <a:pt x="7497762" y="2359025"/>
-                </a:lnTo>
-                <a:lnTo>
-                  <a:pt x="7478712" y="2395537"/>
-                </a:lnTo>
-                <a:lnTo>
-                  <a:pt x="7459662" y="2433637"/>
-                </a:lnTo>
-                <a:lnTo>
-                  <a:pt x="7442200" y="2471737"/>
-                </a:lnTo>
-                <a:lnTo>
-                  <a:pt x="7424737" y="2513012"/>
-                </a:lnTo>
-                <a:lnTo>
-                  <a:pt x="7410450" y="2560637"/>
-                </a:lnTo>
-                <a:lnTo>
-                  <a:pt x="7400925" y="2613025"/>
-                </a:lnTo>
-                <a:lnTo>
-                  <a:pt x="7391400" y="2671762"/>
-                </a:lnTo>
-                <a:lnTo>
-                  <a:pt x="7389812" y="2741612"/>
-                </a:lnTo>
-                <a:lnTo>
-                  <a:pt x="7391400" y="2809875"/>
-                </a:lnTo>
-                <a:lnTo>
-                  <a:pt x="7400925" y="2868612"/>
-                </a:lnTo>
-                <a:lnTo>
-                  <a:pt x="7410450" y="2922587"/>
-                </a:lnTo>
-                <a:lnTo>
-                  <a:pt x="7424737" y="2967037"/>
-                </a:lnTo>
-                <a:lnTo>
-                  <a:pt x="7442200" y="3009900"/>
-                </a:lnTo>
-                <a:lnTo>
-                  <a:pt x="7459662" y="3046412"/>
-                </a:lnTo>
-                <a:lnTo>
-                  <a:pt x="7478712" y="3084512"/>
-                </a:lnTo>
-                <a:lnTo>
-                  <a:pt x="7497762" y="3121025"/>
-                </a:lnTo>
-                <a:lnTo>
-                  <a:pt x="7516812" y="3160712"/>
-                </a:lnTo>
-                <a:lnTo>
-                  <a:pt x="7532687" y="3201987"/>
-                </a:lnTo>
-                <a:lnTo>
-                  <a:pt x="7546975" y="3248025"/>
-                </a:lnTo>
-                <a:lnTo>
-                  <a:pt x="7558087" y="3300412"/>
-                </a:lnTo>
-                <a:lnTo>
-                  <a:pt x="7566025" y="3360737"/>
-                </a:lnTo>
-                <a:lnTo>
-                  <a:pt x="7569200" y="3427412"/>
-                </a:lnTo>
-                <a:lnTo>
-                  <a:pt x="7566025" y="3497262"/>
-                </a:lnTo>
-                <a:lnTo>
-                  <a:pt x="7558087" y="3557587"/>
-                </a:lnTo>
-                <a:lnTo>
-                  <a:pt x="7546975" y="3609975"/>
-                </a:lnTo>
-                <a:lnTo>
-                  <a:pt x="7532687" y="3656012"/>
-                </a:lnTo>
-                <a:lnTo>
-                  <a:pt x="7516812" y="3697287"/>
-                </a:lnTo>
-                <a:lnTo>
-                  <a:pt x="7497762" y="3736975"/>
-                </a:lnTo>
-                <a:lnTo>
-                  <a:pt x="7459662" y="3811587"/>
-                </a:lnTo>
-                <a:lnTo>
-                  <a:pt x="7442200" y="3848100"/>
-                </a:lnTo>
-                <a:lnTo>
-                  <a:pt x="7424737" y="3890962"/>
-                </a:lnTo>
-                <a:lnTo>
-                  <a:pt x="7410450" y="3935412"/>
-                </a:lnTo>
-                <a:lnTo>
-                  <a:pt x="7400925" y="3987800"/>
-                </a:lnTo>
-                <a:lnTo>
-                  <a:pt x="7391400" y="4048125"/>
-                </a:lnTo>
-                <a:lnTo>
-                  <a:pt x="7389812" y="4116387"/>
-                </a:lnTo>
-                <a:lnTo>
-                  <a:pt x="7391400" y="4186237"/>
-                </a:lnTo>
-                <a:lnTo>
-                  <a:pt x="7400925" y="4244975"/>
-                </a:lnTo>
-                <a:lnTo>
-                  <a:pt x="7410450" y="4297362"/>
-                </a:lnTo>
-                <a:lnTo>
-                  <a:pt x="7424737" y="4343400"/>
-                </a:lnTo>
-                <a:lnTo>
-                  <a:pt x="7442200" y="4386262"/>
-                </a:lnTo>
-                <a:lnTo>
-                  <a:pt x="7459662" y="4424362"/>
-                </a:lnTo>
-                <a:lnTo>
-                  <a:pt x="7497762" y="4498975"/>
-                </a:lnTo>
-                <a:lnTo>
-                  <a:pt x="7516812" y="4537075"/>
-                </a:lnTo>
-                <a:lnTo>
-                  <a:pt x="7532687" y="4579937"/>
-                </a:lnTo>
-                <a:lnTo>
-                  <a:pt x="7546975" y="4625975"/>
-                </a:lnTo>
-                <a:lnTo>
-                  <a:pt x="7558087" y="4678362"/>
-                </a:lnTo>
-                <a:lnTo>
-                  <a:pt x="7566025" y="4738687"/>
-                </a:lnTo>
-                <a:lnTo>
-                  <a:pt x="7569200" y="4806950"/>
-                </a:lnTo>
-                <a:lnTo>
-                  <a:pt x="7566025" y="4875212"/>
-                </a:lnTo>
-                <a:lnTo>
-                  <a:pt x="7558087" y="4935537"/>
-                </a:lnTo>
-                <a:lnTo>
-                  <a:pt x="7546975" y="4987925"/>
-                </a:lnTo>
-                <a:lnTo>
-                  <a:pt x="7532687" y="5033962"/>
-                </a:lnTo>
-                <a:lnTo>
-                  <a:pt x="7516812" y="5075237"/>
-                </a:lnTo>
-                <a:lnTo>
-                  <a:pt x="7497762" y="5114925"/>
-                </a:lnTo>
-                <a:lnTo>
-                  <a:pt x="7478712" y="5149850"/>
-                </a:lnTo>
-                <a:lnTo>
-                  <a:pt x="7459662" y="5186362"/>
-                </a:lnTo>
-                <a:lnTo>
-                  <a:pt x="7442200" y="5226050"/>
-                </a:lnTo>
-                <a:lnTo>
-                  <a:pt x="7424737" y="5268912"/>
-                </a:lnTo>
-                <a:lnTo>
-                  <a:pt x="7410450" y="5313362"/>
-                </a:lnTo>
-                <a:lnTo>
-                  <a:pt x="7400925" y="5365750"/>
-                </a:lnTo>
-                <a:lnTo>
-                  <a:pt x="7391400" y="5426075"/>
-                </a:lnTo>
-                <a:lnTo>
-                  <a:pt x="7389812" y="5494337"/>
-                </a:lnTo>
-                <a:lnTo>
-                  <a:pt x="7391400" y="5562600"/>
-                </a:lnTo>
-                <a:lnTo>
-                  <a:pt x="7400925" y="5622925"/>
-                </a:lnTo>
-                <a:lnTo>
-                  <a:pt x="7410450" y="5675312"/>
-                </a:lnTo>
-                <a:lnTo>
-                  <a:pt x="7424737" y="5721350"/>
-                </a:lnTo>
-                <a:lnTo>
-                  <a:pt x="7442200" y="5762625"/>
-                </a:lnTo>
-                <a:lnTo>
-                  <a:pt x="7459662" y="5802312"/>
-                </a:lnTo>
-                <a:lnTo>
-                  <a:pt x="7478712" y="5840412"/>
-                </a:lnTo>
-                <a:lnTo>
-                  <a:pt x="7497762" y="5876925"/>
-                </a:lnTo>
-                <a:lnTo>
-                  <a:pt x="7516812" y="5915025"/>
-                </a:lnTo>
-                <a:lnTo>
-                  <a:pt x="7532687" y="5956300"/>
-                </a:lnTo>
-                <a:lnTo>
-                  <a:pt x="7546975" y="6003925"/>
-                </a:lnTo>
-                <a:lnTo>
-                  <a:pt x="7558087" y="6056312"/>
-                </a:lnTo>
-                <a:lnTo>
-                  <a:pt x="7566025" y="6113462"/>
-                </a:lnTo>
-                <a:lnTo>
-                  <a:pt x="7569200" y="6183312"/>
-                </a:lnTo>
-                <a:lnTo>
-                  <a:pt x="7566025" y="6251575"/>
-                </a:lnTo>
-                <a:lnTo>
-                  <a:pt x="7558087" y="6311900"/>
-                </a:lnTo>
-                <a:lnTo>
-                  <a:pt x="7546975" y="6361112"/>
-                </a:lnTo>
-                <a:lnTo>
-                  <a:pt x="7532687" y="6407150"/>
-                </a:lnTo>
-                <a:lnTo>
-                  <a:pt x="7516812" y="6448425"/>
-                </a:lnTo>
-                <a:lnTo>
-                  <a:pt x="7499350" y="6488112"/>
-                </a:lnTo>
-                <a:lnTo>
-                  <a:pt x="7481887" y="6523037"/>
-                </a:lnTo>
-                <a:lnTo>
-                  <a:pt x="7462837" y="6561137"/>
-                </a:lnTo>
-                <a:lnTo>
-                  <a:pt x="7443787" y="6597650"/>
-                </a:lnTo>
-                <a:lnTo>
-                  <a:pt x="7427912" y="6640512"/>
-                </a:lnTo>
-                <a:lnTo>
-                  <a:pt x="7412037" y="6683375"/>
-                </a:lnTo>
-                <a:lnTo>
-                  <a:pt x="7402512" y="6735762"/>
-                </a:lnTo>
-                <a:lnTo>
-                  <a:pt x="7394575" y="6791325"/>
-                </a:lnTo>
-                <a:lnTo>
-                  <a:pt x="7389812" y="6858000"/>
-                </a:lnTo>
-                <a:lnTo>
-                  <a:pt x="0" y="6858000"/>
-                </a:lnTo>
-                <a:lnTo>
-                  <a:pt x="0" y="0"/>
-                </a:lnTo>
-                <a:close/>
-              </a:path>
-            </a:pathLst>
-          </a:custGeom>
-          <a:solidFill>
-            <a:schemeClr val="bg2">
-              <a:lumMod val="90000"/>
-            </a:schemeClr>
-          </a:solidFill>
-          <a:ln w="0">
-            <a:noFill/>
-            <a:prstDash val="solid"/>
-            <a:round/>
-            <a:headEnd/>
-            <a:tailEnd/>
-          </a:ln>
-        </p:spPr>
-      </p:sp>
-      <p:sp>
-        <p:nvSpPr>
-          <p:cNvPr id="22" name="Rectangle 21">
-            <a:extLst>
-              <a:ext uri="{FF2B5EF4-FFF2-40B4-BE49-F238E27FC236}">
-                <a16:creationId xmlns:a16="http://schemas.microsoft.com/office/drawing/2014/main" id="{5FDAFA16-9D2D-4BEC-89D0-B4EABEE911B1}"/>
-              </a:ext>
-              <a:ext uri="{C183D7F6-B498-43B3-948B-1728B52AA6E4}">
-                <adec:decorative xmlns:adec="http://schemas.microsoft.com/office/drawing/2017/decorative" val="1"/>
-              </a:ext>
-            </a:extLst>
-          </p:cNvPr>
-          <p:cNvSpPr>
-            <a:spLocks noGrp="1" noRot="1" noChangeAspect="1" noMove="1" noResize="1" noEditPoints="1" noAdjustHandles="1" noChangeArrowheads="1" noChangeShapeType="1" noTextEdit="1"/>
-          </p:cNvSpPr>
-          <p:nvPr>
-            <p:extLst>
-              <p:ext uri="{386F3935-93C4-4BCD-93E2-E3B085C9AB24}">
-                <p16:designElem xmlns:p16="http://schemas.microsoft.com/office/powerpoint/2015/main" val="1"/>
-              </p:ext>
-            </p:extLst>
-          </p:nvPr>
-        </p:nvSpPr>
-        <p:spPr>
-          <a:xfrm>
-            <a:off x="0" y="0"/>
-            <a:ext cx="283464" cy="6858000"/>
-          </a:xfrm>
-          <a:prstGeom prst="rect">
-            <a:avLst/>
-          </a:prstGeom>
-          <a:solidFill>
-            <a:schemeClr val="accent1"/>
-          </a:solidFill>
-          <a:ln>
-            <a:noFill/>
-          </a:ln>
-        </p:spPr>
-        <p:style>
-          <a:lnRef idx="2">
-            <a:schemeClr val="accent1">
-              <a:shade val="50000"/>
-            </a:schemeClr>
-          </a:lnRef>
-          <a:fillRef idx="1">
-            <a:schemeClr val="accent1"/>
-          </a:fillRef>
-          <a:effectRef idx="0">
-            <a:schemeClr val="accent1"/>
-          </a:effectRef>
-          <a:fontRef idx="minor">
-            <a:schemeClr val="lt1"/>
-          </a:fontRef>
-        </p:style>
-      </p:sp>
-      <p:sp>
-        <p:nvSpPr>
-          <p:cNvPr id="13" name="TextBox 12">
-            <a:extLst>
-              <a:ext uri="{FF2B5EF4-FFF2-40B4-BE49-F238E27FC236}">
-                <a16:creationId xmlns:a16="http://schemas.microsoft.com/office/drawing/2014/main" id="{8A7B483D-A57C-4340-A841-CD0D7CD50451}"/>
-              </a:ext>
-            </a:extLst>
-          </p:cNvPr>
-          <p:cNvSpPr txBox="1"/>
-          <p:nvPr/>
-        </p:nvSpPr>
-        <p:spPr>
-          <a:xfrm>
-            <a:off x="536451" y="1242990"/>
-            <a:ext cx="6306309" cy="3930227"/>
-          </a:xfrm>
-          <a:prstGeom prst="rect">
-            <a:avLst/>
-          </a:prstGeom>
-        </p:spPr>
-        <p:txBody>
-          <a:bodyPr vert="horz" lIns="91440" tIns="45720" rIns="91440" bIns="45720" rtlCol="0">
-            <a:normAutofit/>
-          </a:bodyPr>
-          <a:lstStyle/>
-          <a:p>
-            <a:pPr indent="-228600" defTabSz="914400">
-              <a:lnSpc>
-                <a:spcPct val="110000"/>
-              </a:lnSpc>
-              <a:spcBef>
-                <a:spcPts val="700"/>
-              </a:spcBef>
-              <a:spcAft>
-                <a:spcPts val="600"/>
-              </a:spcAft>
-              <a:buClr>
-                <a:schemeClr val="tx2"/>
-              </a:buClr>
-              <a:buFont typeface="Calibri" panose="020F0502020204030204" pitchFamily="34" charset="0"/>
-            </a:pPr>
-            <a:r>
-              <a:rPr lang="en-US" sz="2400" b="1" dirty="0">
-                <a:solidFill>
-                  <a:schemeClr val="accent3"/>
-                </a:solidFill>
-              </a:rPr>
-              <a:t>IOT = sensors + data + network + services</a:t>
-            </a:r>
-          </a:p>
-          <a:p>
-            <a:pPr indent="-228600" defTabSz="914400">
-              <a:lnSpc>
-                <a:spcPct val="110000"/>
-              </a:lnSpc>
-              <a:spcBef>
-                <a:spcPts val="700"/>
-              </a:spcBef>
-              <a:spcAft>
-                <a:spcPts val="600"/>
-              </a:spcAft>
-              <a:buClr>
-                <a:schemeClr val="tx2"/>
-              </a:buClr>
-              <a:buFont typeface="Calibri" panose="020F0502020204030204" pitchFamily="34" charset="0"/>
-            </a:pPr>
-            <a:endParaRPr lang="en-US" sz="2400" dirty="0"/>
-          </a:p>
-          <a:p>
-            <a:pPr indent="-228600" defTabSz="914400">
-              <a:lnSpc>
-                <a:spcPct val="110000"/>
-              </a:lnSpc>
-              <a:spcBef>
-                <a:spcPts val="700"/>
-              </a:spcBef>
-              <a:spcAft>
-                <a:spcPts val="600"/>
-              </a:spcAft>
-              <a:buClr>
-                <a:schemeClr val="tx2"/>
-              </a:buClr>
-              <a:buFont typeface="Calibri" panose="020F0502020204030204" pitchFamily="34" charset="0"/>
-            </a:pPr>
-            <a:r>
-              <a:rPr lang="en-US" sz="2400" dirty="0"/>
-              <a:t>Simply put, the Internet of Things is a global network of computers, sensors and actuators that communicate with each other using the Internet Protocol IP (Internet Protocol).</a:t>
-            </a:r>
-          </a:p>
-        </p:txBody>
-      </p:sp>
-      <p:pic>
-        <p:nvPicPr>
-          <p:cNvPr id="7" name="Content Placeholder 6">
-            <a:extLst>
-              <a:ext uri="{FF2B5EF4-FFF2-40B4-BE49-F238E27FC236}">
-                <a16:creationId xmlns:a16="http://schemas.microsoft.com/office/drawing/2014/main" id="{FA50D6D8-2DBB-4035-AACE-FC4925A7B08C}"/>
-              </a:ext>
-            </a:extLst>
-          </p:cNvPr>
-          <p:cNvPicPr>
-            <a:picLocks noGrp="1" noChangeAspect="1"/>
-          </p:cNvPicPr>
-          <p:nvPr>
-            <p:ph idx="1"/>
-          </p:nvPr>
-        </p:nvPicPr>
-        <p:blipFill>
-          <a:blip r:embed="rId3">
-            <a:extLst>
-              <a:ext uri="{28A0092B-C50C-407E-A947-70E740481C1C}">
-                <a14:useLocalDpi xmlns:a14="http://schemas.microsoft.com/office/drawing/2010/main" val="0"/>
-              </a:ext>
-            </a:extLst>
-          </a:blip>
-          <a:stretch>
-            <a:fillRect/>
-          </a:stretch>
-        </p:blipFill>
-        <p:spPr>
-          <a:xfrm>
-            <a:off x="6323456" y="125961"/>
-            <a:ext cx="5506594" cy="2877195"/>
-          </a:xfrm>
-          <a:prstGeom prst="rect">
-            <a:avLst/>
-          </a:prstGeom>
-          <a:effectLst>
-            <a:reflection blurRad="6350" stA="50000" endA="295" endPos="92000" dist="101600" dir="5400000" sy="-100000" algn="bl" rotWithShape="0"/>
-          </a:effectLst>
-          <a:scene3d>
-            <a:camera prst="perspectiveRelaxed">
-              <a:rot lat="19800000" lon="1200000" rev="20820000"/>
-            </a:camera>
-            <a:lightRig rig="threePt" dir="t"/>
-          </a:scene3d>
-          <a:sp3d contourW="6350" prstMaterial="matte">
-            <a:bevelT w="101600" h="101600"/>
-            <a:contourClr>
-              <a:srgbClr val="969696"/>
-            </a:contourClr>
-          </a:sp3d>
-        </p:spPr>
-      </p:pic>
-    </p:spTree>
-    <p:extLst>
-      <p:ext uri="{BB962C8B-B14F-4D97-AF65-F5344CB8AC3E}">
-        <p14:creationId xmlns:p14="http://schemas.microsoft.com/office/powerpoint/2010/main" val="263797440"/>
-      </p:ext>
-    </p:extLst>
-  </p:cSld>
-  <p:clrMapOvr>
-    <a:masterClrMapping/>
-  </p:clrMapOvr>
-</p:sld>
-</file>
-
 <file path=ppt/slides/slide3.xml><?xml version="1.0" encoding="utf-8"?>
 <p:sld xmlns:a="http://schemas.openxmlformats.org/drawingml/2006/main" xmlns:r="http://schemas.openxmlformats.org/officeDocument/2006/relationships" xmlns:p="http://schemas.openxmlformats.org/presentationml/2006/main">
   <p:cSld>
